--- a/resources/tableau_overview_and_example_ss_hz_updated.pptx
+++ b/resources/tableau_overview_and_example_ss_hz_updated.pptx
@@ -217,7 +217,7 @@
           <a:p>
             <a:fld id="{023AB371-9479-4211-AEA2-B8B235DBD730}" type="datetimeFigureOut">
               <a:rPr lang="en-US" smtClean="0"/>
-              <a:t>1/22/2019</a:t>
+              <a:t>1/30/2023</a:t>
             </a:fld>
             <a:endParaRPr lang="en-US"/>
           </a:p>
@@ -382,7 +382,7 @@
           <a:p>
             <a:fld id="{3BE0F1DC-89DC-4407-B031-C64D21A63C8E}" type="datetimeFigureOut">
               <a:rPr lang="en-US" smtClean="0"/>
-              <a:t>1/22/2019</a:t>
+              <a:t>1/30/2023</a:t>
             </a:fld>
             <a:endParaRPr lang="en-US"/>
           </a:p>
@@ -446,38 +446,37 @@
           <a:p>
             <a:pPr lvl="0"/>
             <a:r>
-              <a:rPr lang="en-US" smtClean="0"/>
+              <a:rPr lang="en-US"/>
               <a:t>Click to edit Master text styles</a:t>
             </a:r>
           </a:p>
           <a:p>
             <a:pPr lvl="1"/>
             <a:r>
-              <a:rPr lang="en-US" smtClean="0"/>
+              <a:rPr lang="en-US"/>
               <a:t>Second level</a:t>
             </a:r>
           </a:p>
           <a:p>
             <a:pPr lvl="2"/>
             <a:r>
-              <a:rPr lang="en-US" smtClean="0"/>
+              <a:rPr lang="en-US"/>
               <a:t>Third level</a:t>
             </a:r>
           </a:p>
           <a:p>
             <a:pPr lvl="3"/>
             <a:r>
-              <a:rPr lang="en-US" smtClean="0"/>
+              <a:rPr lang="en-US"/>
               <a:t>Fourth level</a:t>
             </a:r>
           </a:p>
           <a:p>
             <a:pPr lvl="4"/>
             <a:r>
-              <a:rPr lang="en-US" smtClean="0"/>
+              <a:rPr lang="en-US"/>
               <a:t>Fifth level</a:t>
             </a:r>
-            <a:endParaRPr lang="en-US"/>
           </a:p>
         </p:txBody>
       </p:sp>
@@ -776,10 +775,9 @@
           </a:lstStyle>
           <a:p>
             <a:r>
-              <a:rPr lang="en-US" smtClean="0"/>
+              <a:rPr lang="en-US"/>
               <a:t>Click to edit Master title style</a:t>
             </a:r>
-            <a:endParaRPr lang="en-US"/>
           </a:p>
         </p:txBody>
       </p:sp>
@@ -841,10 +839,9 @@
           </a:lstStyle>
           <a:p>
             <a:r>
-              <a:rPr lang="en-US" smtClean="0"/>
+              <a:rPr lang="en-US"/>
               <a:t>Click to edit Master subtitle style</a:t>
             </a:r>
-            <a:endParaRPr lang="en-US"/>
           </a:p>
         </p:txBody>
       </p:sp>
@@ -865,7 +862,7 @@
           <a:p>
             <a:fld id="{EAC6DD1A-DB46-4DE9-B199-B2FE535F0796}" type="datetime1">
               <a:rPr lang="en-US" smtClean="0"/>
-              <a:t>1/22/2019</a:t>
+              <a:t>1/30/2023</a:t>
             </a:fld>
             <a:endParaRPr lang="en-US"/>
           </a:p>
@@ -959,10 +956,9 @@
           <a:lstStyle/>
           <a:p>
             <a:r>
-              <a:rPr lang="en-US" smtClean="0"/>
+              <a:rPr lang="en-US"/>
               <a:t>Click to edit Master title style</a:t>
             </a:r>
-            <a:endParaRPr lang="en-US"/>
           </a:p>
         </p:txBody>
       </p:sp>
@@ -983,38 +979,37 @@
           <a:p>
             <a:pPr lvl="0"/>
             <a:r>
-              <a:rPr lang="en-US" smtClean="0"/>
+              <a:rPr lang="en-US"/>
               <a:t>Click to edit Master text styles</a:t>
             </a:r>
           </a:p>
           <a:p>
             <a:pPr lvl="1"/>
             <a:r>
-              <a:rPr lang="en-US" smtClean="0"/>
+              <a:rPr lang="en-US"/>
               <a:t>Second level</a:t>
             </a:r>
           </a:p>
           <a:p>
             <a:pPr lvl="2"/>
             <a:r>
-              <a:rPr lang="en-US" smtClean="0"/>
+              <a:rPr lang="en-US"/>
               <a:t>Third level</a:t>
             </a:r>
           </a:p>
           <a:p>
             <a:pPr lvl="3"/>
             <a:r>
-              <a:rPr lang="en-US" smtClean="0"/>
+              <a:rPr lang="en-US"/>
               <a:t>Fourth level</a:t>
             </a:r>
           </a:p>
           <a:p>
             <a:pPr lvl="4"/>
             <a:r>
-              <a:rPr lang="en-US" smtClean="0"/>
+              <a:rPr lang="en-US"/>
               <a:t>Fifth level</a:t>
             </a:r>
-            <a:endParaRPr lang="en-US"/>
           </a:p>
         </p:txBody>
       </p:sp>
@@ -1035,7 +1030,7 @@
           <a:p>
             <a:fld id="{790617B3-9292-4403-AC8C-CE70F1933C12}" type="datetime1">
               <a:rPr lang="en-US" smtClean="0"/>
-              <a:t>1/22/2019</a:t>
+              <a:t>1/30/2023</a:t>
             </a:fld>
             <a:endParaRPr lang="en-US"/>
           </a:p>
@@ -1134,10 +1129,9 @@
           <a:lstStyle/>
           <a:p>
             <a:r>
-              <a:rPr lang="en-US" smtClean="0"/>
+              <a:rPr lang="en-US"/>
               <a:t>Click to edit Master title style</a:t>
             </a:r>
-            <a:endParaRPr lang="en-US"/>
           </a:p>
         </p:txBody>
       </p:sp>
@@ -1163,38 +1157,37 @@
           <a:p>
             <a:pPr lvl="0"/>
             <a:r>
-              <a:rPr lang="en-US" smtClean="0"/>
+              <a:rPr lang="en-US"/>
               <a:t>Click to edit Master text styles</a:t>
             </a:r>
           </a:p>
           <a:p>
             <a:pPr lvl="1"/>
             <a:r>
-              <a:rPr lang="en-US" smtClean="0"/>
+              <a:rPr lang="en-US"/>
               <a:t>Second level</a:t>
             </a:r>
           </a:p>
           <a:p>
             <a:pPr lvl="2"/>
             <a:r>
-              <a:rPr lang="en-US" smtClean="0"/>
+              <a:rPr lang="en-US"/>
               <a:t>Third level</a:t>
             </a:r>
           </a:p>
           <a:p>
             <a:pPr lvl="3"/>
             <a:r>
-              <a:rPr lang="en-US" smtClean="0"/>
+              <a:rPr lang="en-US"/>
               <a:t>Fourth level</a:t>
             </a:r>
           </a:p>
           <a:p>
             <a:pPr lvl="4"/>
             <a:r>
-              <a:rPr lang="en-US" smtClean="0"/>
+              <a:rPr lang="en-US"/>
               <a:t>Fifth level</a:t>
             </a:r>
-            <a:endParaRPr lang="en-US"/>
           </a:p>
         </p:txBody>
       </p:sp>
@@ -1215,7 +1208,7 @@
           <a:p>
             <a:fld id="{96C89685-F276-430A-8654-04914813DB04}" type="datetime1">
               <a:rPr lang="en-US" smtClean="0"/>
-              <a:t>1/22/2019</a:t>
+              <a:t>1/30/2023</a:t>
             </a:fld>
             <a:endParaRPr lang="en-US"/>
           </a:p>
@@ -1313,10 +1306,9 @@
           </a:lstStyle>
           <a:p>
             <a:r>
-              <a:rPr lang="en-US" dirty="0" smtClean="0"/>
+              <a:rPr lang="en-US" dirty="0"/>
               <a:t>Click to edit Master title style</a:t>
             </a:r>
-            <a:endParaRPr lang="en-US" dirty="0"/>
           </a:p>
         </p:txBody>
       </p:sp>
@@ -1337,38 +1329,37 @@
           <a:p>
             <a:pPr lvl="0"/>
             <a:r>
-              <a:rPr lang="en-US" smtClean="0"/>
+              <a:rPr lang="en-US"/>
               <a:t>Click to edit Master text styles</a:t>
             </a:r>
           </a:p>
           <a:p>
             <a:pPr lvl="1"/>
             <a:r>
-              <a:rPr lang="en-US" smtClean="0"/>
+              <a:rPr lang="en-US"/>
               <a:t>Second level</a:t>
             </a:r>
           </a:p>
           <a:p>
             <a:pPr lvl="2"/>
             <a:r>
-              <a:rPr lang="en-US" smtClean="0"/>
+              <a:rPr lang="en-US"/>
               <a:t>Third level</a:t>
             </a:r>
           </a:p>
           <a:p>
             <a:pPr lvl="3"/>
             <a:r>
-              <a:rPr lang="en-US" smtClean="0"/>
+              <a:rPr lang="en-US"/>
               <a:t>Fourth level</a:t>
             </a:r>
           </a:p>
           <a:p>
             <a:pPr lvl="4"/>
             <a:r>
-              <a:rPr lang="en-US" smtClean="0"/>
+              <a:rPr lang="en-US"/>
               <a:t>Fifth level</a:t>
             </a:r>
-            <a:endParaRPr lang="en-US"/>
           </a:p>
         </p:txBody>
       </p:sp>
@@ -1389,7 +1380,7 @@
           <a:p>
             <a:fld id="{7428BE0C-F798-44C1-BF61-615514117515}" type="datetime1">
               <a:rPr lang="en-US" smtClean="0"/>
-              <a:t>1/22/2019</a:t>
+              <a:t>1/30/2023</a:t>
             </a:fld>
             <a:endParaRPr lang="en-US"/>
           </a:p>
@@ -1492,10 +1483,9 @@
           </a:lstStyle>
           <a:p>
             <a:r>
-              <a:rPr lang="en-US" smtClean="0"/>
+              <a:rPr lang="en-US"/>
               <a:t>Click to edit Master title style</a:t>
             </a:r>
-            <a:endParaRPr lang="en-US"/>
           </a:p>
         </p:txBody>
       </p:sp>
@@ -1612,7 +1602,7 @@
           <a:p>
             <a:pPr lvl="0"/>
             <a:r>
-              <a:rPr lang="en-US" smtClean="0"/>
+              <a:rPr lang="en-US"/>
               <a:t>Click to edit Master text styles</a:t>
             </a:r>
           </a:p>
@@ -1635,7 +1625,7 @@
           <a:p>
             <a:fld id="{638D9F68-CEAC-4C1F-A1F1-3BCAF2B06B58}" type="datetime1">
               <a:rPr lang="en-US" smtClean="0"/>
-              <a:t>1/22/2019</a:t>
+              <a:t>1/30/2023</a:t>
             </a:fld>
             <a:endParaRPr lang="en-US"/>
           </a:p>
@@ -1729,10 +1719,9 @@
           <a:lstStyle/>
           <a:p>
             <a:r>
-              <a:rPr lang="en-US" smtClean="0"/>
+              <a:rPr lang="en-US"/>
               <a:t>Click to edit Master title style</a:t>
             </a:r>
-            <a:endParaRPr lang="en-US"/>
           </a:p>
         </p:txBody>
       </p:sp>
@@ -1758,38 +1747,37 @@
           <a:p>
             <a:pPr lvl="0"/>
             <a:r>
-              <a:rPr lang="en-US" smtClean="0"/>
+              <a:rPr lang="en-US"/>
               <a:t>Click to edit Master text styles</a:t>
             </a:r>
           </a:p>
           <a:p>
             <a:pPr lvl="1"/>
             <a:r>
-              <a:rPr lang="en-US" smtClean="0"/>
+              <a:rPr lang="en-US"/>
               <a:t>Second level</a:t>
             </a:r>
           </a:p>
           <a:p>
             <a:pPr lvl="2"/>
             <a:r>
-              <a:rPr lang="en-US" smtClean="0"/>
+              <a:rPr lang="en-US"/>
               <a:t>Third level</a:t>
             </a:r>
           </a:p>
           <a:p>
             <a:pPr lvl="3"/>
             <a:r>
-              <a:rPr lang="en-US" smtClean="0"/>
+              <a:rPr lang="en-US"/>
               <a:t>Fourth level</a:t>
             </a:r>
           </a:p>
           <a:p>
             <a:pPr lvl="4"/>
             <a:r>
-              <a:rPr lang="en-US" smtClean="0"/>
+              <a:rPr lang="en-US"/>
               <a:t>Fifth level</a:t>
             </a:r>
-            <a:endParaRPr lang="en-US"/>
           </a:p>
         </p:txBody>
       </p:sp>
@@ -1815,38 +1803,37 @@
           <a:p>
             <a:pPr lvl="0"/>
             <a:r>
-              <a:rPr lang="en-US" smtClean="0"/>
+              <a:rPr lang="en-US"/>
               <a:t>Click to edit Master text styles</a:t>
             </a:r>
           </a:p>
           <a:p>
             <a:pPr lvl="1"/>
             <a:r>
-              <a:rPr lang="en-US" smtClean="0"/>
+              <a:rPr lang="en-US"/>
               <a:t>Second level</a:t>
             </a:r>
           </a:p>
           <a:p>
             <a:pPr lvl="2"/>
             <a:r>
-              <a:rPr lang="en-US" smtClean="0"/>
+              <a:rPr lang="en-US"/>
               <a:t>Third level</a:t>
             </a:r>
           </a:p>
           <a:p>
             <a:pPr lvl="3"/>
             <a:r>
-              <a:rPr lang="en-US" smtClean="0"/>
+              <a:rPr lang="en-US"/>
               <a:t>Fourth level</a:t>
             </a:r>
           </a:p>
           <a:p>
             <a:pPr lvl="4"/>
             <a:r>
-              <a:rPr lang="en-US" smtClean="0"/>
+              <a:rPr lang="en-US"/>
               <a:t>Fifth level</a:t>
             </a:r>
-            <a:endParaRPr lang="en-US"/>
           </a:p>
         </p:txBody>
       </p:sp>
@@ -1867,7 +1854,7 @@
           <a:p>
             <a:fld id="{A346C6D6-79EA-4D53-8AE7-5F6F5F736EB9}" type="datetime1">
               <a:rPr lang="en-US" smtClean="0"/>
-              <a:t>1/22/2019</a:t>
+              <a:t>1/30/2023</a:t>
             </a:fld>
             <a:endParaRPr lang="en-US"/>
           </a:p>
@@ -1966,10 +1953,9 @@
           <a:lstStyle/>
           <a:p>
             <a:r>
-              <a:rPr lang="en-US" smtClean="0"/>
+              <a:rPr lang="en-US"/>
               <a:t>Click to edit Master title style</a:t>
             </a:r>
-            <a:endParaRPr lang="en-US"/>
           </a:p>
         </p:txBody>
       </p:sp>
@@ -2032,7 +2018,7 @@
           <a:p>
             <a:pPr lvl="0"/>
             <a:r>
-              <a:rPr lang="en-US" smtClean="0"/>
+              <a:rPr lang="en-US"/>
               <a:t>Click to edit Master text styles</a:t>
             </a:r>
           </a:p>
@@ -2060,38 +2046,37 @@
           <a:p>
             <a:pPr lvl="0"/>
             <a:r>
-              <a:rPr lang="en-US" smtClean="0"/>
+              <a:rPr lang="en-US"/>
               <a:t>Click to edit Master text styles</a:t>
             </a:r>
           </a:p>
           <a:p>
             <a:pPr lvl="1"/>
             <a:r>
-              <a:rPr lang="en-US" smtClean="0"/>
+              <a:rPr lang="en-US"/>
               <a:t>Second level</a:t>
             </a:r>
           </a:p>
           <a:p>
             <a:pPr lvl="2"/>
             <a:r>
-              <a:rPr lang="en-US" smtClean="0"/>
+              <a:rPr lang="en-US"/>
               <a:t>Third level</a:t>
             </a:r>
           </a:p>
           <a:p>
             <a:pPr lvl="3"/>
             <a:r>
-              <a:rPr lang="en-US" smtClean="0"/>
+              <a:rPr lang="en-US"/>
               <a:t>Fourth level</a:t>
             </a:r>
           </a:p>
           <a:p>
             <a:pPr lvl="4"/>
             <a:r>
-              <a:rPr lang="en-US" smtClean="0"/>
+              <a:rPr lang="en-US"/>
               <a:t>Fifth level</a:t>
             </a:r>
-            <a:endParaRPr lang="en-US"/>
           </a:p>
         </p:txBody>
       </p:sp>
@@ -2154,7 +2139,7 @@
           <a:p>
             <a:pPr lvl="0"/>
             <a:r>
-              <a:rPr lang="en-US" smtClean="0"/>
+              <a:rPr lang="en-US"/>
               <a:t>Click to edit Master text styles</a:t>
             </a:r>
           </a:p>
@@ -2182,38 +2167,37 @@
           <a:p>
             <a:pPr lvl="0"/>
             <a:r>
-              <a:rPr lang="en-US" smtClean="0"/>
+              <a:rPr lang="en-US"/>
               <a:t>Click to edit Master text styles</a:t>
             </a:r>
           </a:p>
           <a:p>
             <a:pPr lvl="1"/>
             <a:r>
-              <a:rPr lang="en-US" smtClean="0"/>
+              <a:rPr lang="en-US"/>
               <a:t>Second level</a:t>
             </a:r>
           </a:p>
           <a:p>
             <a:pPr lvl="2"/>
             <a:r>
-              <a:rPr lang="en-US" smtClean="0"/>
+              <a:rPr lang="en-US"/>
               <a:t>Third level</a:t>
             </a:r>
           </a:p>
           <a:p>
             <a:pPr lvl="3"/>
             <a:r>
-              <a:rPr lang="en-US" smtClean="0"/>
+              <a:rPr lang="en-US"/>
               <a:t>Fourth level</a:t>
             </a:r>
           </a:p>
           <a:p>
             <a:pPr lvl="4"/>
             <a:r>
-              <a:rPr lang="en-US" smtClean="0"/>
+              <a:rPr lang="en-US"/>
               <a:t>Fifth level</a:t>
             </a:r>
-            <a:endParaRPr lang="en-US"/>
           </a:p>
         </p:txBody>
       </p:sp>
@@ -2234,7 +2218,7 @@
           <a:p>
             <a:fld id="{6E092D23-7948-4023-A9B1-EC40528BF935}" type="datetime1">
               <a:rPr lang="en-US" smtClean="0"/>
-              <a:t>1/22/2019</a:t>
+              <a:t>1/30/2023</a:t>
             </a:fld>
             <a:endParaRPr lang="en-US"/>
           </a:p>
@@ -2328,10 +2312,9 @@
           <a:lstStyle/>
           <a:p>
             <a:r>
-              <a:rPr lang="en-US" smtClean="0"/>
+              <a:rPr lang="en-US"/>
               <a:t>Click to edit Master title style</a:t>
             </a:r>
-            <a:endParaRPr lang="en-US"/>
           </a:p>
         </p:txBody>
       </p:sp>
@@ -2352,7 +2335,7 @@
           <a:p>
             <a:fld id="{CB7F9289-E90C-40AA-9479-E06605E009D1}" type="datetime1">
               <a:rPr lang="en-US" smtClean="0"/>
-              <a:t>1/22/2019</a:t>
+              <a:t>1/30/2023</a:t>
             </a:fld>
             <a:endParaRPr lang="en-US"/>
           </a:p>
@@ -2447,7 +2430,7 @@
           <a:p>
             <a:fld id="{77B87E22-A063-4A64-AA63-4C57F03AF091}" type="datetime1">
               <a:rPr lang="en-US" smtClean="0"/>
-              <a:t>1/22/2019</a:t>
+              <a:t>1/30/2023</a:t>
             </a:fld>
             <a:endParaRPr lang="en-US"/>
           </a:p>
@@ -2550,10 +2533,9 @@
           </a:lstStyle>
           <a:p>
             <a:r>
-              <a:rPr lang="en-US" smtClean="0"/>
+              <a:rPr lang="en-US"/>
               <a:t>Click to edit Master title style</a:t>
             </a:r>
-            <a:endParaRPr lang="en-US"/>
           </a:p>
         </p:txBody>
       </p:sp>
@@ -2607,38 +2589,37 @@
           <a:p>
             <a:pPr lvl="0"/>
             <a:r>
-              <a:rPr lang="en-US" smtClean="0"/>
+              <a:rPr lang="en-US"/>
               <a:t>Click to edit Master text styles</a:t>
             </a:r>
           </a:p>
           <a:p>
             <a:pPr lvl="1"/>
             <a:r>
-              <a:rPr lang="en-US" smtClean="0"/>
+              <a:rPr lang="en-US"/>
               <a:t>Second level</a:t>
             </a:r>
           </a:p>
           <a:p>
             <a:pPr lvl="2"/>
             <a:r>
-              <a:rPr lang="en-US" smtClean="0"/>
+              <a:rPr lang="en-US"/>
               <a:t>Third level</a:t>
             </a:r>
           </a:p>
           <a:p>
             <a:pPr lvl="3"/>
             <a:r>
-              <a:rPr lang="en-US" smtClean="0"/>
+              <a:rPr lang="en-US"/>
               <a:t>Fourth level</a:t>
             </a:r>
           </a:p>
           <a:p>
             <a:pPr lvl="4"/>
             <a:r>
-              <a:rPr lang="en-US" smtClean="0"/>
+              <a:rPr lang="en-US"/>
               <a:t>Fifth level</a:t>
             </a:r>
-            <a:endParaRPr lang="en-US"/>
           </a:p>
         </p:txBody>
       </p:sp>
@@ -2701,7 +2682,7 @@
           <a:p>
             <a:pPr lvl="0"/>
             <a:r>
-              <a:rPr lang="en-US" smtClean="0"/>
+              <a:rPr lang="en-US"/>
               <a:t>Click to edit Master text styles</a:t>
             </a:r>
           </a:p>
@@ -2724,7 +2705,7 @@
           <a:p>
             <a:fld id="{AC696D8C-2084-406E-8355-4B70646298D8}" type="datetime1">
               <a:rPr lang="en-US" smtClean="0"/>
-              <a:t>1/22/2019</a:t>
+              <a:t>1/30/2023</a:t>
             </a:fld>
             <a:endParaRPr lang="en-US"/>
           </a:p>
@@ -2827,10 +2808,9 @@
           </a:lstStyle>
           <a:p>
             <a:r>
-              <a:rPr lang="en-US" smtClean="0"/>
+              <a:rPr lang="en-US"/>
               <a:t>Click to edit Master title style</a:t>
             </a:r>
-            <a:endParaRPr lang="en-US"/>
           </a:p>
         </p:txBody>
       </p:sp>
@@ -2954,7 +2934,7 @@
           <a:p>
             <a:pPr lvl="0"/>
             <a:r>
-              <a:rPr lang="en-US" smtClean="0"/>
+              <a:rPr lang="en-US"/>
               <a:t>Click to edit Master text styles</a:t>
             </a:r>
           </a:p>
@@ -2977,7 +2957,7 @@
           <a:p>
             <a:fld id="{FD6E1C9B-9226-4DE6-8A54-EC9D97CE7113}" type="datetime1">
               <a:rPr lang="en-US" smtClean="0"/>
-              <a:t>1/22/2019</a:t>
+              <a:t>1/30/2023</a:t>
             </a:fld>
             <a:endParaRPr lang="en-US"/>
           </a:p>
@@ -3086,10 +3066,9 @@
           <a:lstStyle/>
           <a:p>
             <a:r>
-              <a:rPr lang="en-US" smtClean="0"/>
+              <a:rPr lang="en-US"/>
               <a:t>Click to edit Master title style</a:t>
             </a:r>
-            <a:endParaRPr lang="en-US"/>
           </a:p>
         </p:txBody>
       </p:sp>
@@ -3120,38 +3099,37 @@
           <a:p>
             <a:pPr lvl="0"/>
             <a:r>
-              <a:rPr lang="en-US" smtClean="0"/>
+              <a:rPr lang="en-US"/>
               <a:t>Click to edit Master text styles</a:t>
             </a:r>
           </a:p>
           <a:p>
             <a:pPr lvl="1"/>
             <a:r>
-              <a:rPr lang="en-US" smtClean="0"/>
+              <a:rPr lang="en-US"/>
               <a:t>Second level</a:t>
             </a:r>
           </a:p>
           <a:p>
             <a:pPr lvl="2"/>
             <a:r>
-              <a:rPr lang="en-US" smtClean="0"/>
+              <a:rPr lang="en-US"/>
               <a:t>Third level</a:t>
             </a:r>
           </a:p>
           <a:p>
             <a:pPr lvl="3"/>
             <a:r>
-              <a:rPr lang="en-US" smtClean="0"/>
+              <a:rPr lang="en-US"/>
               <a:t>Fourth level</a:t>
             </a:r>
           </a:p>
           <a:p>
             <a:pPr lvl="4"/>
             <a:r>
-              <a:rPr lang="en-US" smtClean="0"/>
+              <a:rPr lang="en-US"/>
               <a:t>Fifth level</a:t>
             </a:r>
-            <a:endParaRPr lang="en-US"/>
           </a:p>
         </p:txBody>
       </p:sp>
@@ -3190,7 +3168,7 @@
           <a:p>
             <a:fld id="{A124E9DD-72DA-4B57-B242-DDD62FE3B182}" type="datetime1">
               <a:rPr lang="en-US" smtClean="0"/>
-              <a:t>1/22/2019</a:t>
+              <a:t>1/30/2023</a:t>
             </a:fld>
             <a:endParaRPr lang="en-US"/>
           </a:p>
@@ -3614,10 +3592,9 @@
           <a:lstStyle/>
           <a:p>
             <a:r>
-              <a:rPr lang="en-US" b="1" dirty="0" smtClean="0"/>
+              <a:rPr lang="en-US" b="1" dirty="0"/>
               <a:t>Tableau Overview and Publicly Available Data Sources</a:t>
             </a:r>
-            <a:endParaRPr lang="en-US" b="1" dirty="0"/>
           </a:p>
         </p:txBody>
       </p:sp>
@@ -3639,47 +3616,54 @@
           <a:lstStyle/>
           <a:p>
             <a:r>
-              <a:rPr lang="en-US" dirty="0" smtClean="0"/>
+              <a:rPr lang="en-US" dirty="0"/>
               <a:t>Sagar </a:t>
             </a:r>
             <a:r>
-              <a:rPr lang="en-US" dirty="0" err="1" smtClean="0"/>
+              <a:rPr lang="en-US" dirty="0" err="1"/>
               <a:t>Samtani</a:t>
             </a:r>
             <a:r>
-              <a:rPr lang="en-US" dirty="0" smtClean="0"/>
+              <a:rPr lang="en-US" dirty="0"/>
               <a:t> and </a:t>
             </a:r>
             <a:r>
-              <a:rPr lang="en-US" dirty="0" err="1" smtClean="0"/>
+              <a:rPr lang="en-US" dirty="0" err="1"/>
               <a:t>Hsinchun</a:t>
             </a:r>
             <a:r>
-              <a:rPr lang="en-US" dirty="0" smtClean="0"/>
+              <a:rPr lang="en-US" dirty="0"/>
               <a:t> Chen</a:t>
             </a:r>
           </a:p>
           <a:p>
             <a:r>
-              <a:rPr lang="en-US" dirty="0" smtClean="0"/>
-              <a:t>with updates from Hongyi Zhu</a:t>
-            </a:r>
-          </a:p>
-          <a:p>
-            <a:endParaRPr lang="en-US" dirty="0" smtClean="0"/>
-          </a:p>
-          <a:p>
-            <a:r>
-              <a:rPr lang="en-US" dirty="0" smtClean="0"/>
+              <a:rPr lang="en-US" dirty="0"/>
+              <a:t>with updates from </a:t>
+            </a:r>
+            <a:r>
+              <a:rPr lang="en-US" dirty="0" err="1"/>
+              <a:t>Hongyi</a:t>
+            </a:r>
+            <a:r>
+              <a:rPr lang="en-US" dirty="0"/>
+              <a:t> Zhu and Steven Ullman</a:t>
+            </a:r>
+          </a:p>
+          <a:p>
+            <a:endParaRPr lang="en-US" dirty="0"/>
+          </a:p>
+          <a:p>
+            <a:r>
+              <a:rPr lang="en-US" dirty="0"/>
               <a:t>MIS 464</a:t>
             </a:r>
           </a:p>
           <a:p>
             <a:r>
-              <a:rPr lang="en-US" dirty="0" smtClean="0"/>
-              <a:t>Spring 2019</a:t>
-            </a:r>
-            <a:endParaRPr lang="en-US" dirty="0"/>
+              <a:rPr lang="en-US" dirty="0"/>
+              <a:t>Spring 2023</a:t>
+            </a:r>
           </a:p>
         </p:txBody>
       </p:sp>
@@ -3752,10 +3736,9 @@
           <a:lstStyle/>
           <a:p>
             <a:r>
-              <a:rPr lang="en-US" dirty="0" smtClean="0"/>
+              <a:rPr lang="en-US" dirty="0"/>
               <a:t>Combining Visualizations into a Dashboard</a:t>
             </a:r>
-            <a:endParaRPr lang="en-US" dirty="0"/>
           </a:p>
         </p:txBody>
       </p:sp>
@@ -3782,30 +3765,29 @@
           <a:lstStyle/>
           <a:p>
             <a:r>
-              <a:rPr lang="en-US" sz="2400" dirty="0" smtClean="0"/>
+              <a:rPr lang="en-US" sz="2400" dirty="0"/>
               <a:t>To tell a more comprehensive story, we can create a dashboard combining all of the visualizations.</a:t>
             </a:r>
           </a:p>
           <a:p>
             <a:pPr lvl="1"/>
-            <a:endParaRPr lang="en-US" sz="2000" dirty="0" smtClean="0"/>
-          </a:p>
-          <a:p>
-            <a:r>
-              <a:rPr lang="en-US" sz="2400" dirty="0" smtClean="0"/>
+            <a:endParaRPr lang="en-US" sz="2000" dirty="0"/>
+          </a:p>
+          <a:p>
+            <a:r>
+              <a:rPr lang="en-US" sz="2400" dirty="0"/>
               <a:t>Simply open a dashboard view and start dragging sheets into the dashboard. </a:t>
             </a:r>
           </a:p>
           <a:p>
             <a:pPr lvl="1"/>
-            <a:endParaRPr lang="en-US" sz="2000" dirty="0" smtClean="0"/>
-          </a:p>
-          <a:p>
-            <a:r>
-              <a:rPr lang="en-US" sz="2400" dirty="0" smtClean="0"/>
+            <a:endParaRPr lang="en-US" sz="2000" dirty="0"/>
+          </a:p>
+          <a:p>
+            <a:r>
+              <a:rPr lang="en-US" sz="2400" dirty="0"/>
               <a:t>You can format and add filters into the dashboard as you wish. </a:t>
             </a:r>
-            <a:endParaRPr lang="en-US" sz="2400" dirty="0"/>
           </a:p>
         </p:txBody>
       </p:sp>
@@ -4059,10 +4041,9 @@
           <a:lstStyle/>
           <a:p>
             <a:r>
-              <a:rPr lang="en-US" dirty="0" smtClean="0"/>
+              <a:rPr lang="en-US" dirty="0"/>
               <a:t>Further Examples </a:t>
             </a:r>
-            <a:endParaRPr lang="en-US" dirty="0"/>
           </a:p>
         </p:txBody>
       </p:sp>
@@ -4082,7 +4063,7 @@
           <a:lstStyle/>
           <a:p>
             <a:r>
-              <a:rPr lang="en-US" dirty="0" smtClean="0"/>
+              <a:rPr lang="en-US" dirty="0"/>
               <a:t>It is useful to explore other Tableau visualizations to get ideas. </a:t>
             </a:r>
           </a:p>
@@ -4092,16 +4073,10 @@
               <a:rPr lang="en-US" dirty="0">
                 <a:hlinkClick r:id="rId2"/>
               </a:rPr>
-              <a:t>https://</a:t>
-            </a:r>
-            <a:r>
-              <a:rPr lang="en-US" dirty="0" smtClean="0">
-                <a:hlinkClick r:id="rId2"/>
-              </a:rPr>
-              <a:t>public.tableau.com/s/gallery</a:t>
-            </a:r>
-            <a:r>
-              <a:rPr lang="en-US" dirty="0" smtClean="0"/>
+              <a:t>https://public.tableau.com/s/gallery</a:t>
+            </a:r>
+            <a:r>
+              <a:rPr lang="en-US" dirty="0"/>
               <a:t> contains many great visualizations. </a:t>
             </a:r>
           </a:p>
@@ -4226,12 +4201,12 @@
           <a:p>
             <a:pPr algn="ctr"/>
             <a:r>
-              <a:rPr lang="en-US" b="1" dirty="0" smtClean="0">
+              <a:rPr lang="en-US" b="1" dirty="0">
                 <a:hlinkClick r:id="rId6"/>
               </a:rPr>
               <a:t>Endangered Safari</a:t>
             </a:r>
-            <a:endParaRPr lang="en-US" b="1" dirty="0" smtClean="0"/>
+            <a:endParaRPr lang="en-US" b="1" dirty="0"/>
           </a:p>
         </p:txBody>
       </p:sp>
@@ -4259,13 +4234,13 @@
           <a:p>
             <a:pPr algn="ctr"/>
             <a:r>
-              <a:rPr lang="en-US" b="1" dirty="0" smtClean="0">
+              <a:rPr lang="en-US" b="1" dirty="0">
                 <a:hlinkClick r:id="rId7"/>
               </a:rPr>
               <a:t>US Flights Delayed by Precipitation</a:t>
             </a:r>
             <a:r>
-              <a:rPr lang="en-US" b="1" dirty="0" smtClean="0"/>
+              <a:rPr lang="en-US" b="1" dirty="0"/>
               <a:t> </a:t>
             </a:r>
           </a:p>
@@ -4295,12 +4270,12 @@
           <a:p>
             <a:pPr algn="ctr"/>
             <a:r>
-              <a:rPr lang="en-US" b="1" dirty="0" smtClean="0">
+              <a:rPr lang="en-US" b="1" dirty="0">
                 <a:hlinkClick r:id="rId8"/>
               </a:rPr>
               <a:t>Domestic Violence in Spain</a:t>
             </a:r>
-            <a:endParaRPr lang="en-US" b="1" dirty="0" smtClean="0"/>
+            <a:endParaRPr lang="en-US" b="1" dirty="0"/>
           </a:p>
         </p:txBody>
       </p:sp>
@@ -4350,10 +4325,9 @@
           <a:lstStyle/>
           <a:p>
             <a:r>
-              <a:rPr lang="en-US" b="1" dirty="0" smtClean="0"/>
+              <a:rPr lang="en-US" b="1" dirty="0"/>
               <a:t>Tableau Resources</a:t>
             </a:r>
-            <a:endParaRPr lang="en-US" b="1" dirty="0"/>
           </a:p>
         </p:txBody>
       </p:sp>
@@ -4375,7 +4349,7 @@
           <a:lstStyle/>
           <a:p>
             <a:r>
-              <a:rPr lang="en-US" dirty="0" smtClean="0"/>
+              <a:rPr lang="en-US" dirty="0"/>
               <a:t>Gallery of Tableau visualizations:</a:t>
             </a:r>
           </a:p>
@@ -4385,15 +4359,9 @@
               <a:rPr lang="en-US" dirty="0">
                 <a:hlinkClick r:id="rId2"/>
               </a:rPr>
-              <a:t>https://</a:t>
-            </a:r>
-            <a:r>
-              <a:rPr lang="en-US" dirty="0" smtClean="0">
-                <a:hlinkClick r:id="rId2"/>
-              </a:rPr>
-              <a:t>public.tableau.com/s/gallery</a:t>
-            </a:r>
-            <a:endParaRPr lang="en-US" dirty="0" smtClean="0"/>
+              <a:t>https://public.tableau.com/s/gallery</a:t>
+            </a:r>
+            <a:endParaRPr lang="en-US" dirty="0"/>
           </a:p>
           <a:p>
             <a:pPr lvl="1"/>
@@ -4401,7 +4369,7 @@
           </a:p>
           <a:p>
             <a:r>
-              <a:rPr lang="en-US" dirty="0" smtClean="0"/>
+              <a:rPr lang="en-US" dirty="0"/>
               <a:t>Tableau training videos:</a:t>
             </a:r>
           </a:p>
@@ -4411,16 +4379,10 @@
               <a:rPr lang="en-US" dirty="0">
                 <a:hlinkClick r:id="rId3"/>
               </a:rPr>
-              <a:t>http://</a:t>
-            </a:r>
-            <a:r>
-              <a:rPr lang="en-US" dirty="0" smtClean="0">
-                <a:hlinkClick r:id="rId3"/>
-              </a:rPr>
-              <a:t>www.tableau.com/learn/training</a:t>
-            </a:r>
-            <a:r>
-              <a:rPr lang="en-US" dirty="0" smtClean="0"/>
+              <a:t>http://www.tableau.com/learn/training</a:t>
+            </a:r>
+            <a:r>
+              <a:rPr lang="en-US" dirty="0"/>
               <a:t> </a:t>
             </a:r>
           </a:p>
@@ -4430,7 +4392,7 @@
           </a:p>
           <a:p>
             <a:r>
-              <a:rPr lang="en-US" dirty="0" smtClean="0"/>
+              <a:rPr lang="en-US" dirty="0"/>
               <a:t>Sample Tableau data sources:</a:t>
             </a:r>
           </a:p>
@@ -4440,16 +4402,10 @@
               <a:rPr lang="en-US" dirty="0">
                 <a:hlinkClick r:id="rId4"/>
               </a:rPr>
-              <a:t>https://</a:t>
-            </a:r>
-            <a:r>
-              <a:rPr lang="en-US" dirty="0" smtClean="0">
-                <a:hlinkClick r:id="rId4"/>
-              </a:rPr>
-              <a:t>public.tableau.com/s/resources</a:t>
-            </a:r>
-            <a:r>
-              <a:rPr lang="en-US" dirty="0" smtClean="0"/>
+              <a:t>https://public.tableau.com/s/resources</a:t>
+            </a:r>
+            <a:r>
+              <a:rPr lang="en-US" dirty="0"/>
               <a:t>  </a:t>
             </a:r>
           </a:p>
@@ -4459,29 +4415,29 @@
           </a:p>
           <a:p>
             <a:r>
-              <a:rPr lang="en-US" dirty="0" smtClean="0"/>
+              <a:rPr lang="en-US" dirty="0"/>
               <a:t>Reference book:</a:t>
             </a:r>
           </a:p>
           <a:p>
             <a:pPr lvl="1"/>
             <a:r>
-              <a:rPr lang="en-US" dirty="0" smtClean="0"/>
+              <a:rPr lang="en-US" dirty="0"/>
               <a:t>Tableau Your Data!: Fast and Easy Visual Analysis with Tableau Software. Daniel Murray, 2</a:t>
             </a:r>
             <a:r>
-              <a:rPr lang="en-US" baseline="30000" dirty="0" smtClean="0"/>
+              <a:rPr lang="en-US" baseline="30000" dirty="0"/>
               <a:t>nd</a:t>
             </a:r>
             <a:r>
-              <a:rPr lang="en-US" dirty="0" smtClean="0"/>
+              <a:rPr lang="en-US" dirty="0"/>
               <a:t> edition, 2015.</a:t>
             </a:r>
           </a:p>
           <a:p>
             <a:pPr lvl="1"/>
             <a:r>
-              <a:rPr lang="en-US" dirty="0" smtClean="0"/>
+              <a:rPr lang="en-US" dirty="0"/>
               <a:t>Available online through UA Library</a:t>
             </a:r>
           </a:p>
@@ -4661,11 +4617,11 @@
                     <a:p>
                       <a:pPr algn="ctr"/>
                       <a:r>
-                        <a:rPr lang="en-US" b="1" dirty="0" smtClean="0"/>
+                        <a:rPr lang="en-US" b="1" dirty="0"/>
                         <a:t>Name</a:t>
                       </a:r>
                       <a:r>
-                        <a:rPr lang="en-US" b="1" baseline="0" dirty="0" smtClean="0"/>
+                        <a:rPr lang="en-US" b="1" baseline="0" dirty="0"/>
                         <a:t> of Data Source</a:t>
                       </a:r>
                       <a:endParaRPr lang="en-US" b="1" dirty="0"/>
@@ -4680,10 +4636,9 @@
                     <a:p>
                       <a:pPr algn="ctr"/>
                       <a:r>
-                        <a:rPr lang="en-US" b="1" dirty="0" smtClean="0"/>
+                        <a:rPr lang="en-US" b="1" dirty="0"/>
                         <a:t># Entries</a:t>
                       </a:r>
-                      <a:endParaRPr lang="en-US" b="1" dirty="0"/>
                     </a:p>
                   </a:txBody>
                   <a:tcPr/>
@@ -4695,10 +4650,9 @@
                     <a:p>
                       <a:pPr algn="ctr"/>
                       <a:r>
-                        <a:rPr lang="en-US" b="1" dirty="0" smtClean="0"/>
+                        <a:rPr lang="en-US" b="1" dirty="0"/>
                         <a:t>Description </a:t>
                       </a:r>
-                      <a:endParaRPr lang="en-US" b="1" dirty="0"/>
                     </a:p>
                   </a:txBody>
                   <a:tcPr/>
@@ -4710,10 +4664,9 @@
                     <a:p>
                       <a:pPr algn="ctr"/>
                       <a:r>
-                        <a:rPr lang="en-US" b="1" dirty="0" smtClean="0"/>
+                        <a:rPr lang="en-US" b="1" dirty="0"/>
                         <a:t>Data Formats</a:t>
                       </a:r>
-                      <a:endParaRPr lang="en-US" b="1" dirty="0"/>
                     </a:p>
                   </a:txBody>
                   <a:tcPr/>
@@ -4725,10 +4678,9 @@
                     <a:p>
                       <a:pPr algn="ctr"/>
                       <a:r>
-                        <a:rPr lang="en-US" b="1" dirty="0" smtClean="0"/>
+                        <a:rPr lang="en-US" b="1" dirty="0"/>
                         <a:t>URL</a:t>
                       </a:r>
-                      <a:endParaRPr lang="en-US" b="1" dirty="0"/>
                     </a:p>
                   </a:txBody>
                   <a:tcPr/>
@@ -4746,20 +4698,20 @@
                     <a:lstStyle/>
                     <a:p>
                       <a:r>
-                        <a:rPr lang="en-US" b="0" dirty="0" smtClean="0"/>
+                        <a:rPr lang="en-US" b="0" dirty="0"/>
                         <a:t>US Data.gov</a:t>
                       </a:r>
                     </a:p>
                     <a:p>
-                      <a:endParaRPr lang="en-US" b="0" dirty="0" smtClean="0"/>
+                      <a:endParaRPr lang="en-US" b="0" dirty="0"/>
                     </a:p>
                     <a:p>
                       <a:r>
-                        <a:rPr lang="en-US" b="0" dirty="0" smtClean="0"/>
+                        <a:rPr lang="en-US" b="0" dirty="0"/>
                         <a:t>EU </a:t>
                       </a:r>
                       <a:r>
-                        <a:rPr lang="en-US" b="0" dirty="0" err="1" smtClean="0"/>
+                        <a:rPr lang="en-US" b="0" dirty="0" err="1"/>
                         <a:t>OpenData</a:t>
                       </a:r>
                       <a:endParaRPr lang="en-US" b="0" dirty="0"/>
@@ -4773,24 +4725,18 @@
                     <a:lstStyle/>
                     <a:p>
                       <a:r>
-                        <a:rPr lang="en-US" b="0" dirty="0" smtClean="0"/>
-                        <a:t>&gt; </a:t>
-                      </a:r>
-                      <a:r>
-                        <a:rPr lang="en-US" b="0" dirty="0" smtClean="0"/>
-                        <a:t>300,000</a:t>
-                      </a:r>
-                      <a:endParaRPr lang="en-US" b="0" dirty="0" smtClean="0"/>
+                        <a:rPr lang="en-US" b="0" dirty="0"/>
+                        <a:t>&gt; 300,000</a:t>
+                      </a:r>
                     </a:p>
                     <a:p>
-                      <a:endParaRPr lang="en-US" b="0" dirty="0" smtClean="0"/>
+                      <a:endParaRPr lang="en-US" b="0" dirty="0"/>
                     </a:p>
                     <a:p>
                       <a:r>
-                        <a:rPr lang="en-US" b="0" dirty="0" smtClean="0"/>
+                        <a:rPr lang="en-US" b="0" dirty="0"/>
                         <a:t>&gt; 15,000</a:t>
                       </a:r>
-                      <a:endParaRPr lang="en-US" b="0" dirty="0"/>
                     </a:p>
                   </a:txBody>
                   <a:tcPr anchor="ctr"/>
@@ -4801,47 +4747,47 @@
                     <a:lstStyle/>
                     <a:p>
                       <a:r>
-                        <a:rPr lang="en-US" dirty="0" smtClean="0"/>
+                        <a:rPr lang="en-US" dirty="0"/>
                         <a:t>Agriculture,</a:t>
                       </a:r>
                       <a:r>
-                        <a:rPr lang="en-US" baseline="0" dirty="0" smtClean="0"/>
+                        <a:rPr lang="en-US" baseline="0" dirty="0"/>
                         <a:t> </a:t>
                       </a:r>
                       <a:r>
-                        <a:rPr lang="en-US" b="1" dirty="0" smtClean="0"/>
+                        <a:rPr lang="en-US" b="1" dirty="0"/>
                         <a:t>Business</a:t>
                       </a:r>
                       <a:r>
-                        <a:rPr lang="en-US" dirty="0" smtClean="0"/>
+                        <a:rPr lang="en-US" dirty="0"/>
                         <a:t>, climate, </a:t>
                       </a:r>
                       <a:r>
-                        <a:rPr lang="en-US" b="1" dirty="0" smtClean="0"/>
+                        <a:rPr lang="en-US" b="1" dirty="0"/>
                         <a:t>consumer</a:t>
                       </a:r>
                       <a:r>
-                        <a:rPr lang="en-US" dirty="0" smtClean="0"/>
+                        <a:rPr lang="en-US" dirty="0"/>
                         <a:t>, ecosystem, education, energy,</a:t>
                       </a:r>
                       <a:r>
-                        <a:rPr lang="en-US" baseline="0" dirty="0" smtClean="0"/>
+                        <a:rPr lang="en-US" baseline="0" dirty="0"/>
                         <a:t> </a:t>
                       </a:r>
                       <a:r>
-                        <a:rPr lang="en-US" b="1" baseline="0" dirty="0" smtClean="0"/>
+                        <a:rPr lang="en-US" b="1" baseline="0" dirty="0"/>
                         <a:t>finance</a:t>
                       </a:r>
                       <a:r>
-                        <a:rPr lang="en-US" baseline="0" dirty="0" smtClean="0"/>
+                        <a:rPr lang="en-US" baseline="0" dirty="0"/>
                         <a:t>, health, local government </a:t>
                       </a:r>
                       <a:r>
-                        <a:rPr lang="en-US" b="1" baseline="0" dirty="0" smtClean="0"/>
+                        <a:rPr lang="en-US" b="1" baseline="0" dirty="0"/>
                         <a:t>manufacturing</a:t>
                       </a:r>
                       <a:r>
-                        <a:rPr lang="en-US" baseline="0" dirty="0" smtClean="0"/>
+                        <a:rPr lang="en-US" baseline="0" dirty="0"/>
                         <a:t>, public safety, science and research</a:t>
                       </a:r>
                       <a:endParaRPr lang="en-US" dirty="0"/>
@@ -4855,11 +4801,11 @@
                     <a:lstStyle/>
                     <a:p>
                       <a:r>
-                        <a:rPr lang="en-US" dirty="0" smtClean="0"/>
+                        <a:rPr lang="en-US" dirty="0"/>
                         <a:t>HTML, XML,</a:t>
                       </a:r>
                       <a:r>
-                        <a:rPr lang="en-US" baseline="0" dirty="0" smtClean="0"/>
+                        <a:rPr lang="en-US" baseline="0" dirty="0"/>
                         <a:t> XLSX, CSV, PDF, shapefile, txt, zip</a:t>
                       </a:r>
                       <a:endParaRPr lang="en-US" dirty="0"/>
@@ -4873,27 +4819,27 @@
                     <a:lstStyle/>
                     <a:p>
                       <a:r>
-                        <a:rPr lang="en-US" dirty="0" smtClean="0">
+                        <a:rPr lang="en-US" dirty="0">
                           <a:hlinkClick r:id="rId2"/>
                         </a:rPr>
                         <a:t>http://www.data.gov/</a:t>
                       </a:r>
                       <a:r>
-                        <a:rPr lang="en-US" dirty="0" smtClean="0"/>
+                        <a:rPr lang="en-US" dirty="0"/>
                         <a:t> </a:t>
                       </a:r>
                     </a:p>
                     <a:p>
-                      <a:endParaRPr lang="en-US" dirty="0" smtClean="0"/>
+                      <a:endParaRPr lang="en-US" dirty="0"/>
                     </a:p>
                     <a:p>
                       <a:r>
-                        <a:rPr lang="en-US" dirty="0" smtClean="0">
+                        <a:rPr lang="en-US" dirty="0">
                           <a:hlinkClick r:id="rId3"/>
                         </a:rPr>
                         <a:t>http://data.europa.eu/euodp/data/dataset</a:t>
                       </a:r>
-                      <a:endParaRPr lang="en-US" dirty="0" smtClean="0"/>
+                      <a:endParaRPr lang="en-US" dirty="0"/>
                     </a:p>
                   </a:txBody>
                   <a:tcPr anchor="ctr"/>
@@ -4911,7 +4857,7 @@
                     <a:lstStyle/>
                     <a:p>
                       <a:r>
-                        <a:rPr lang="en-US" b="0" dirty="0" err="1" smtClean="0"/>
+                        <a:rPr lang="en-US" b="0" dirty="0" err="1"/>
                         <a:t>Kaggle</a:t>
                       </a:r>
                       <a:endParaRPr lang="en-US" b="0" dirty="0"/>
@@ -4925,10 +4871,9 @@
                     <a:lstStyle/>
                     <a:p>
                       <a:r>
-                        <a:rPr lang="en-US" b="0" dirty="0" smtClean="0"/>
+                        <a:rPr lang="en-US" b="0" dirty="0"/>
                         <a:t>14,072</a:t>
                       </a:r>
-                      <a:endParaRPr lang="en-US" b="0" dirty="0"/>
                     </a:p>
                   </a:txBody>
                   <a:tcPr anchor="ctr"/>
@@ -4939,15 +4884,15 @@
                     <a:lstStyle/>
                     <a:p>
                       <a:r>
-                        <a:rPr lang="en-US" b="1" dirty="0" smtClean="0"/>
+                        <a:rPr lang="en-US" b="1" dirty="0"/>
                         <a:t>Product, insurance,</a:t>
                       </a:r>
                       <a:r>
-                        <a:rPr lang="en-US" b="1" baseline="0" dirty="0" smtClean="0"/>
+                        <a:rPr lang="en-US" b="1" baseline="0" dirty="0"/>
                         <a:t> </a:t>
                       </a:r>
                       <a:r>
-                        <a:rPr lang="en-US" baseline="0" dirty="0" smtClean="0"/>
+                        <a:rPr lang="en-US" baseline="0" dirty="0"/>
                         <a:t>forum comments, twitter data, images</a:t>
                       </a:r>
                       <a:endParaRPr lang="en-US" dirty="0"/>
@@ -4961,10 +4906,9 @@
                     <a:lstStyle/>
                     <a:p>
                       <a:r>
-                        <a:rPr lang="en-US" dirty="0" smtClean="0"/>
+                        <a:rPr lang="en-US" dirty="0"/>
                         <a:t>CSV, XLSX, SQL</a:t>
                       </a:r>
-                      <a:endParaRPr lang="en-US" dirty="0"/>
                     </a:p>
                   </a:txBody>
                   <a:tcPr anchor="ctr"/>
@@ -4975,16 +4919,15 @@
                     <a:lstStyle/>
                     <a:p>
                       <a:r>
-                        <a:rPr lang="en-US" dirty="0" smtClean="0">
+                        <a:rPr lang="en-US" dirty="0">
                           <a:hlinkClick r:id="rId4"/>
                         </a:rPr>
                         <a:t>https://www.kaggle.com/datasets</a:t>
                       </a:r>
                       <a:r>
-                        <a:rPr lang="en-US" dirty="0" smtClean="0"/>
+                        <a:rPr lang="en-US" dirty="0"/>
                         <a:t> </a:t>
                       </a:r>
-                      <a:endParaRPr lang="en-US" dirty="0"/>
                     </a:p>
                   </a:txBody>
                   <a:tcPr anchor="ctr"/>
@@ -5002,11 +4945,11 @@
                     <a:lstStyle/>
                     <a:p>
                       <a:r>
-                        <a:rPr lang="en-US" b="0" dirty="0" smtClean="0"/>
+                        <a:rPr lang="en-US" b="0" dirty="0"/>
                         <a:t>UC</a:t>
                       </a:r>
                       <a:r>
-                        <a:rPr lang="en-US" b="0" baseline="0" dirty="0" smtClean="0"/>
+                        <a:rPr lang="en-US" b="0" baseline="0" dirty="0"/>
                         <a:t> Irvine Machine Learning Repository</a:t>
                       </a:r>
                       <a:endParaRPr lang="en-US" b="0" dirty="0"/>
@@ -5020,10 +4963,9 @@
                     <a:lstStyle/>
                     <a:p>
                       <a:r>
-                        <a:rPr lang="en-US" b="0" dirty="0" smtClean="0"/>
+                        <a:rPr lang="en-US" b="0" dirty="0"/>
                         <a:t>468</a:t>
                       </a:r>
-                      <a:endParaRPr lang="en-US" b="0" dirty="0"/>
                     </a:p>
                   </a:txBody>
                   <a:tcPr anchor="ctr"/>
@@ -5034,30 +4976,29 @@
                     <a:lstStyle/>
                     <a:p>
                       <a:r>
-                        <a:rPr lang="en-US" b="1" dirty="0" smtClean="0"/>
+                        <a:rPr lang="en-US" b="1" dirty="0"/>
                         <a:t>Research datasets </a:t>
                       </a:r>
                       <a:r>
-                        <a:rPr lang="en-US" b="0" dirty="0" smtClean="0"/>
+                        <a:rPr lang="en-US" b="0" dirty="0"/>
                         <a:t>used</a:t>
                       </a:r>
                       <a:r>
-                        <a:rPr lang="en-US" b="0" baseline="0" dirty="0" smtClean="0"/>
+                        <a:rPr lang="en-US" b="0" baseline="0" dirty="0"/>
                         <a:t> in</a:t>
                       </a:r>
                       <a:r>
-                        <a:rPr lang="en-US" dirty="0" smtClean="0"/>
+                        <a:rPr lang="en-US" dirty="0"/>
                         <a:t> past </a:t>
                       </a:r>
                       <a:r>
-                        <a:rPr lang="en-US" b="1" dirty="0" smtClean="0"/>
+                        <a:rPr lang="en-US" b="1" dirty="0"/>
                         <a:t>machine learning</a:t>
                       </a:r>
                       <a:r>
-                        <a:rPr lang="en-US" dirty="0" smtClean="0"/>
+                        <a:rPr lang="en-US" dirty="0"/>
                         <a:t> publications</a:t>
                       </a:r>
-                      <a:endParaRPr lang="en-US" dirty="0"/>
                     </a:p>
                   </a:txBody>
                   <a:tcPr anchor="ctr"/>
@@ -5085,7 +5026,7 @@
                         <a:defRPr/>
                       </a:pPr>
                       <a:r>
-                        <a:rPr lang="en-US" dirty="0" smtClean="0"/>
+                        <a:rPr lang="en-US" dirty="0"/>
                         <a:t>HTML, XML, XLSX, CSV, PDF, txt, zip</a:t>
                       </a:r>
                     </a:p>
@@ -5098,7 +5039,7 @@
                     <a:lstStyle/>
                     <a:p>
                       <a:r>
-                        <a:rPr lang="en-US" dirty="0" smtClean="0">
+                        <a:rPr lang="en-US" dirty="0">
                           <a:hlinkClick r:id="rId5"/>
                         </a:rPr>
                         <a:t>https://archive.ics.uci.edu/ml</a:t>
@@ -5121,18 +5062,17 @@
                     <a:lstStyle/>
                     <a:p>
                       <a:r>
-                        <a:rPr lang="en-US" b="0" dirty="0" smtClean="0"/>
+                        <a:rPr lang="en-US" b="0" dirty="0"/>
                         <a:t>Amazon </a:t>
                       </a:r>
                       <a:r>
-                        <a:rPr lang="en-US" b="0" dirty="0" err="1" smtClean="0"/>
+                        <a:rPr lang="en-US" b="0" dirty="0" err="1"/>
                         <a:t>Opendata</a:t>
                       </a:r>
                       <a:r>
-                        <a:rPr lang="en-US" b="0" dirty="0" smtClean="0"/>
+                        <a:rPr lang="en-US" b="0" dirty="0"/>
                         <a:t> on AWS</a:t>
                       </a:r>
-                      <a:endParaRPr lang="en-US" b="0" dirty="0"/>
                     </a:p>
                   </a:txBody>
                   <a:tcPr anchor="ctr"/>
@@ -5143,10 +5083,9 @@
                     <a:lstStyle/>
                     <a:p>
                       <a:r>
-                        <a:rPr lang="en-US" b="0" dirty="0" smtClean="0"/>
+                        <a:rPr lang="en-US" b="0" dirty="0"/>
                         <a:t>90</a:t>
                       </a:r>
-                      <a:endParaRPr lang="en-US" b="0" dirty="0"/>
                     </a:p>
                   </a:txBody>
                   <a:tcPr anchor="ctr"/>
@@ -5157,18 +5096,17 @@
                     <a:lstStyle/>
                     <a:p>
                       <a:r>
-                        <a:rPr lang="en-US" dirty="0" smtClean="0"/>
+                        <a:rPr lang="en-US" dirty="0"/>
                         <a:t>Public transportation, satellite images, </a:t>
                       </a:r>
                       <a:r>
-                        <a:rPr lang="en-US" b="1" dirty="0" smtClean="0"/>
+                        <a:rPr lang="en-US" b="1" dirty="0"/>
                         <a:t>web pages</a:t>
                       </a:r>
                       <a:r>
-                        <a:rPr lang="en-US" dirty="0" smtClean="0"/>
+                        <a:rPr lang="en-US" dirty="0"/>
                         <a:t>, genome, ecosystem, etc. </a:t>
                       </a:r>
-                      <a:endParaRPr lang="en-US" dirty="0"/>
                     </a:p>
                   </a:txBody>
                   <a:tcPr anchor="ctr"/>
@@ -5179,10 +5117,9 @@
                     <a:lstStyle/>
                     <a:p>
                       <a:r>
-                        <a:rPr lang="en-US" dirty="0" smtClean="0"/>
+                        <a:rPr lang="en-US" dirty="0"/>
                         <a:t>Data API (CSV, JSON)</a:t>
                       </a:r>
-                      <a:endParaRPr lang="en-US" dirty="0"/>
                     </a:p>
                   </a:txBody>
                   <a:tcPr anchor="ctr"/>
@@ -5193,7 +5130,7 @@
                     <a:lstStyle/>
                     <a:p>
                       <a:r>
-                        <a:rPr lang="en-US" dirty="0" smtClean="0">
+                        <a:rPr lang="en-US" dirty="0">
                           <a:hlinkClick r:id="rId6"/>
                         </a:rPr>
                         <a:t>https://registry.opendata.aws/</a:t>
@@ -5216,11 +5153,11 @@
                     <a:lstStyle/>
                     <a:p>
                       <a:r>
-                        <a:rPr lang="en-US" b="0" dirty="0" smtClean="0"/>
+                        <a:rPr lang="en-US" b="0" dirty="0"/>
                         <a:t>Microsoft Research</a:t>
                       </a:r>
                       <a:r>
-                        <a:rPr lang="en-US" b="0" baseline="0" dirty="0" smtClean="0"/>
+                        <a:rPr lang="en-US" b="0" baseline="0" dirty="0"/>
                         <a:t> Open Data</a:t>
                       </a:r>
                       <a:endParaRPr lang="en-US" b="0" dirty="0"/>
@@ -5234,10 +5171,9 @@
                     <a:lstStyle/>
                     <a:p>
                       <a:r>
-                        <a:rPr lang="en-US" b="0" dirty="0" smtClean="0"/>
+                        <a:rPr lang="en-US" b="0" dirty="0"/>
                         <a:t>53</a:t>
                       </a:r>
-                      <a:endParaRPr lang="en-US" b="0" dirty="0"/>
                     </a:p>
                   </a:txBody>
                   <a:tcPr anchor="ctr"/>
@@ -5248,11 +5184,11 @@
                     <a:lstStyle/>
                     <a:p>
                       <a:r>
-                        <a:rPr lang="en-US" dirty="0" smtClean="0"/>
+                        <a:rPr lang="en-US" dirty="0"/>
                         <a:t>Biology, engineering,</a:t>
                       </a:r>
                       <a:r>
-                        <a:rPr lang="en-US" baseline="0" dirty="0" smtClean="0"/>
+                        <a:rPr lang="en-US" baseline="0" dirty="0"/>
                         <a:t> healthcare, physics, math, science and research</a:t>
                       </a:r>
                       <a:endParaRPr lang="en-US" dirty="0"/>
@@ -5266,11 +5202,11 @@
                     <a:lstStyle/>
                     <a:p>
                       <a:r>
-                        <a:rPr lang="en-US" dirty="0" smtClean="0"/>
+                        <a:rPr lang="en-US" dirty="0"/>
                         <a:t>CSV,</a:t>
                       </a:r>
                       <a:r>
-                        <a:rPr lang="en-US" baseline="0" dirty="0" smtClean="0"/>
+                        <a:rPr lang="en-US" baseline="0" dirty="0"/>
                         <a:t> TXT, TSV, PDF</a:t>
                       </a:r>
                       <a:endParaRPr lang="en-US" dirty="0"/>
@@ -5284,7 +5220,7 @@
                     <a:lstStyle/>
                     <a:p>
                       <a:r>
-                        <a:rPr lang="en-US" dirty="0" smtClean="0">
+                        <a:rPr lang="en-US" dirty="0">
                           <a:hlinkClick r:id="rId7"/>
                         </a:rPr>
                         <a:t>https://msropendata.com/</a:t>
@@ -5448,11 +5384,11 @@
                     <a:p>
                       <a:pPr algn="ctr"/>
                       <a:r>
-                        <a:rPr lang="en-US" b="1" dirty="0" smtClean="0"/>
+                        <a:rPr lang="en-US" b="1" dirty="0"/>
                         <a:t>Name</a:t>
                       </a:r>
                       <a:r>
-                        <a:rPr lang="en-US" b="1" baseline="0" dirty="0" smtClean="0"/>
+                        <a:rPr lang="en-US" b="1" baseline="0" dirty="0"/>
                         <a:t> of Data Source</a:t>
                       </a:r>
                       <a:endParaRPr lang="en-US" b="1" dirty="0"/>
@@ -5467,18 +5403,17 @@
                     <a:p>
                       <a:pPr algn="ctr"/>
                       <a:r>
-                        <a:rPr lang="en-US" b="1" dirty="0" smtClean="0"/>
+                        <a:rPr lang="en-US" b="1" dirty="0"/>
                         <a:t>#</a:t>
                       </a:r>
                       <a:r>
-                        <a:rPr lang="en-US" b="1" baseline="0" dirty="0" smtClean="0"/>
+                        <a:rPr lang="en-US" b="1" baseline="0" dirty="0"/>
                         <a:t> E</a:t>
                       </a:r>
                       <a:r>
-                        <a:rPr lang="en-US" b="1" dirty="0" smtClean="0"/>
+                        <a:rPr lang="en-US" b="1" dirty="0"/>
                         <a:t>ntries</a:t>
                       </a:r>
-                      <a:endParaRPr lang="en-US" b="1" dirty="0"/>
                     </a:p>
                   </a:txBody>
                   <a:tcPr/>
@@ -5490,10 +5425,9 @@
                     <a:p>
                       <a:pPr algn="ctr"/>
                       <a:r>
-                        <a:rPr lang="en-US" b="1" dirty="0" smtClean="0"/>
+                        <a:rPr lang="en-US" b="1" dirty="0"/>
                         <a:t>Description </a:t>
                       </a:r>
-                      <a:endParaRPr lang="en-US" b="1" dirty="0"/>
                     </a:p>
                   </a:txBody>
                   <a:tcPr/>
@@ -5505,10 +5439,9 @@
                     <a:p>
                       <a:pPr algn="ctr"/>
                       <a:r>
-                        <a:rPr lang="en-US" b="1" dirty="0" smtClean="0"/>
+                        <a:rPr lang="en-US" b="1" dirty="0"/>
                         <a:t>Data Formats</a:t>
                       </a:r>
-                      <a:endParaRPr lang="en-US" b="1" dirty="0"/>
                     </a:p>
                   </a:txBody>
                   <a:tcPr/>
@@ -5520,10 +5453,9 @@
                     <a:p>
                       <a:pPr algn="ctr"/>
                       <a:r>
-                        <a:rPr lang="en-US" b="1" dirty="0" smtClean="0"/>
+                        <a:rPr lang="en-US" b="1" dirty="0"/>
                         <a:t>URL</a:t>
                       </a:r>
-                      <a:endParaRPr lang="en-US" b="1" dirty="0"/>
                     </a:p>
                   </a:txBody>
                   <a:tcPr/>
@@ -5541,18 +5473,17 @@
                     <a:lstStyle/>
                     <a:p>
                       <a:r>
-                        <a:rPr lang="en-US" dirty="0" smtClean="0"/>
+                        <a:rPr lang="en-US" dirty="0"/>
                         <a:t>Awesome Public Datasets (</a:t>
                       </a:r>
                       <a:r>
-                        <a:rPr lang="en-US" dirty="0" err="1" smtClean="0"/>
+                        <a:rPr lang="en-US" dirty="0" err="1"/>
                         <a:t>Github</a:t>
                       </a:r>
                       <a:r>
-                        <a:rPr lang="en-US" dirty="0" smtClean="0"/>
+                        <a:rPr lang="en-US" dirty="0"/>
                         <a:t> Repo)</a:t>
                       </a:r>
-                      <a:endParaRPr lang="en-US" dirty="0"/>
                     </a:p>
                   </a:txBody>
                   <a:tcPr anchor="ctr"/>
@@ -5563,10 +5494,9 @@
                     <a:lstStyle/>
                     <a:p>
                       <a:r>
-                        <a:rPr lang="en-US" dirty="0" smtClean="0"/>
+                        <a:rPr lang="en-US" dirty="0"/>
                         <a:t>&gt; 600</a:t>
                       </a:r>
-                      <a:endParaRPr lang="en-US" dirty="0"/>
                     </a:p>
                   </a:txBody>
                   <a:tcPr anchor="ctr"/>
@@ -5577,50 +5507,49 @@
                     <a:lstStyle/>
                     <a:p>
                       <a:r>
-                        <a:rPr lang="en-US" b="0" dirty="0" smtClean="0"/>
+                        <a:rPr lang="en-US" b="0" dirty="0"/>
                         <a:t>Agriculture, Biology, Climate, Data Challenges, </a:t>
                       </a:r>
                       <a:r>
-                        <a:rPr lang="en-US" b="1" dirty="0" smtClean="0"/>
+                        <a:rPr lang="en-US" b="1" dirty="0"/>
                         <a:t>Economics</a:t>
                       </a:r>
                       <a:r>
-                        <a:rPr lang="en-US" b="0" dirty="0" smtClean="0"/>
+                        <a:rPr lang="en-US" b="0" dirty="0"/>
                         <a:t>, </a:t>
                       </a:r>
                       <a:r>
-                        <a:rPr lang="en-US" b="1" dirty="0" smtClean="0"/>
+                        <a:rPr lang="en-US" b="1" dirty="0"/>
                         <a:t>Education</a:t>
                       </a:r>
                       <a:r>
-                        <a:rPr lang="en-US" b="0" dirty="0" smtClean="0"/>
+                        <a:rPr lang="en-US" b="0" dirty="0"/>
                         <a:t>, </a:t>
                       </a:r>
                       <a:r>
-                        <a:rPr lang="en-US" b="1" dirty="0" smtClean="0"/>
+                        <a:rPr lang="en-US" b="1" dirty="0"/>
                         <a:t>Finance</a:t>
                       </a:r>
                       <a:r>
-                        <a:rPr lang="en-US" b="0" dirty="0" smtClean="0"/>
+                        <a:rPr lang="en-US" b="0" dirty="0"/>
                         <a:t>, </a:t>
                       </a:r>
                       <a:r>
-                        <a:rPr lang="en-US" b="1" dirty="0" smtClean="0"/>
+                        <a:rPr lang="en-US" b="1" dirty="0"/>
                         <a:t>Government</a:t>
                       </a:r>
                       <a:r>
-                        <a:rPr lang="en-US" b="0" dirty="0" smtClean="0"/>
+                        <a:rPr lang="en-US" b="0" dirty="0"/>
                         <a:t>, </a:t>
                       </a:r>
                       <a:r>
-                        <a:rPr lang="en-US" b="1" dirty="0" smtClean="0"/>
+                        <a:rPr lang="en-US" b="1" dirty="0"/>
                         <a:t>Healthcare</a:t>
                       </a:r>
                       <a:r>
-                        <a:rPr lang="en-US" b="0" dirty="0" smtClean="0"/>
+                        <a:rPr lang="en-US" b="0" dirty="0"/>
                         <a:t>, Machine Learning, NLP, Search Engines, Sports, Transportation</a:t>
                       </a:r>
-                      <a:endParaRPr lang="en-US" b="0" dirty="0"/>
                     </a:p>
                   </a:txBody>
                   <a:tcPr anchor="ctr"/>
@@ -5631,11 +5560,11 @@
                     <a:lstStyle/>
                     <a:p>
                       <a:r>
-                        <a:rPr lang="en-US" dirty="0" smtClean="0"/>
+                        <a:rPr lang="en-US" dirty="0"/>
                         <a:t>XLSX, JSON, XML,</a:t>
                       </a:r>
                       <a:r>
-                        <a:rPr lang="en-US" baseline="0" dirty="0" smtClean="0"/>
+                        <a:rPr lang="en-US" baseline="0" dirty="0"/>
                         <a:t> Zip, CSV, PDF</a:t>
                       </a:r>
                       <a:endParaRPr lang="en-US" dirty="0"/>
@@ -5666,12 +5595,12 @@
                         <a:defRPr/>
                       </a:pPr>
                       <a:r>
-                        <a:rPr lang="en-US" dirty="0" smtClean="0">
+                        <a:rPr lang="en-US" dirty="0">
                           <a:hlinkClick r:id="rId2"/>
                         </a:rPr>
                         <a:t>https://github.com/awesomedata/awesome-public-datasets</a:t>
                       </a:r>
-                      <a:endParaRPr lang="en-US" dirty="0" smtClean="0"/>
+                      <a:endParaRPr lang="en-US" dirty="0"/>
                     </a:p>
                   </a:txBody>
                   <a:tcPr anchor="ctr"/>
@@ -5689,7 +5618,7 @@
                     <a:lstStyle/>
                     <a:p>
                       <a:r>
-                        <a:rPr lang="en-US" dirty="0" err="1" smtClean="0"/>
+                        <a:rPr lang="en-US" dirty="0" err="1"/>
                         <a:t>Figshare</a:t>
                       </a:r>
                       <a:endParaRPr lang="en-US" dirty="0"/>
@@ -5703,10 +5632,9 @@
                     <a:lstStyle/>
                     <a:p>
                       <a:r>
-                        <a:rPr lang="en-US" dirty="0" smtClean="0"/>
+                        <a:rPr lang="en-US" dirty="0"/>
                         <a:t>&gt; 50</a:t>
                       </a:r>
-                      <a:endParaRPr lang="en-US" dirty="0"/>
                     </a:p>
                   </a:txBody>
                   <a:tcPr anchor="ctr"/>
@@ -5717,22 +5645,21 @@
                     <a:lstStyle/>
                     <a:p>
                       <a:r>
-                        <a:rPr lang="en-US" dirty="0" smtClean="0"/>
+                        <a:rPr lang="en-US" dirty="0"/>
                         <a:t>Data from:</a:t>
                       </a:r>
                       <a:r>
-                        <a:rPr lang="en-US" baseline="0" dirty="0" smtClean="0"/>
+                        <a:rPr lang="en-US" baseline="0" dirty="0"/>
                         <a:t> </a:t>
                       </a:r>
                       <a:r>
-                        <a:rPr lang="en-US" dirty="0" smtClean="0"/>
+                        <a:rPr lang="en-US" dirty="0"/>
                         <a:t>Various sciences (Astronomy, biological, environmental, information, etc.), engineering, </a:t>
                       </a:r>
                       <a:r>
-                        <a:rPr lang="en-US" b="1" dirty="0" smtClean="0"/>
+                        <a:rPr lang="en-US" b="1" dirty="0"/>
                         <a:t>commerce, management, tourism</a:t>
                       </a:r>
-                      <a:endParaRPr lang="en-US" b="1" dirty="0"/>
                     </a:p>
                   </a:txBody>
                   <a:tcPr anchor="ctr"/>
@@ -5743,10 +5670,9 @@
                     <a:lstStyle/>
                     <a:p>
                       <a:r>
-                        <a:rPr lang="en-US" dirty="0" smtClean="0"/>
+                        <a:rPr lang="en-US" dirty="0"/>
                         <a:t>XLSX, Zip, XML, CSV, PDF</a:t>
                       </a:r>
-                      <a:endParaRPr lang="en-US" dirty="0"/>
                     </a:p>
                   </a:txBody>
                   <a:tcPr anchor="ctr"/>
@@ -5774,16 +5700,16 @@
                         <a:defRPr/>
                       </a:pPr>
                       <a:r>
-                        <a:rPr lang="en-US" dirty="0" smtClean="0">
+                        <a:rPr lang="en-US" dirty="0">
                           <a:hlinkClick r:id="rId3"/>
                         </a:rPr>
                         <a:t>https://figshare.com/</a:t>
                       </a:r>
                       <a:r>
-                        <a:rPr lang="en-US" baseline="0" dirty="0" smtClean="0"/>
+                        <a:rPr lang="en-US" baseline="0" dirty="0"/>
                         <a:t> </a:t>
                       </a:r>
-                      <a:endParaRPr lang="en-US" dirty="0" smtClean="0"/>
+                      <a:endParaRPr lang="en-US" dirty="0"/>
                     </a:p>
                   </a:txBody>
                   <a:tcPr anchor="ctr"/>
@@ -5801,10 +5727,9 @@
                     <a:lstStyle/>
                     <a:p>
                       <a:r>
-                        <a:rPr lang="en-US" dirty="0" smtClean="0"/>
+                        <a:rPr lang="en-US" dirty="0"/>
                         <a:t>KD Nuggets</a:t>
                       </a:r>
-                      <a:endParaRPr lang="en-US" dirty="0"/>
                     </a:p>
                   </a:txBody>
                   <a:tcPr anchor="ctr"/>
@@ -5815,10 +5740,9 @@
                     <a:lstStyle/>
                     <a:p>
                       <a:r>
-                        <a:rPr lang="en-US" dirty="0" smtClean="0"/>
+                        <a:rPr lang="en-US" dirty="0"/>
                         <a:t>&gt; 50</a:t>
                       </a:r>
-                      <a:endParaRPr lang="en-US" dirty="0"/>
                     </a:p>
                   </a:txBody>
                   <a:tcPr anchor="ctr"/>
@@ -5829,10 +5753,9 @@
                     <a:lstStyle/>
                     <a:p>
                       <a:r>
-                        <a:rPr lang="en-US" dirty="0" smtClean="0"/>
+                        <a:rPr lang="en-US" dirty="0"/>
                         <a:t>Data sets designed specifically for data mining tasks</a:t>
                       </a:r>
-                      <a:endParaRPr lang="en-US" dirty="0"/>
                     </a:p>
                   </a:txBody>
                   <a:tcPr anchor="ctr"/>
@@ -5843,10 +5766,9 @@
                     <a:lstStyle/>
                     <a:p>
                       <a:r>
-                        <a:rPr lang="en-US" dirty="0" smtClean="0"/>
+                        <a:rPr lang="en-US" dirty="0"/>
                         <a:t>JSON, CSV, SQL, XLSX</a:t>
                       </a:r>
-                      <a:endParaRPr lang="en-US" dirty="0"/>
                     </a:p>
                   </a:txBody>
                   <a:tcPr anchor="ctr"/>
@@ -5857,16 +5779,15 @@
                     <a:lstStyle/>
                     <a:p>
                       <a:r>
-                        <a:rPr lang="en-US" dirty="0" smtClean="0">
+                        <a:rPr lang="en-US" dirty="0">
                           <a:hlinkClick r:id="rId4"/>
                         </a:rPr>
                         <a:t>http://www.kdnuggets.com/datasets/index.html</a:t>
                       </a:r>
                       <a:r>
-                        <a:rPr lang="en-US" dirty="0" smtClean="0"/>
+                        <a:rPr lang="en-US" dirty="0"/>
                         <a:t> </a:t>
                       </a:r>
-                      <a:endParaRPr lang="en-US" dirty="0"/>
                     </a:p>
                   </a:txBody>
                   <a:tcPr anchor="ctr"/>
@@ -5884,7 +5805,7 @@
                     <a:lstStyle/>
                     <a:p>
                       <a:r>
-                        <a:rPr lang="en-US" dirty="0" err="1" smtClean="0"/>
+                        <a:rPr lang="en-US" dirty="0" err="1"/>
                         <a:t>VisualData</a:t>
                       </a:r>
                       <a:endParaRPr lang="en-US" dirty="0"/>
@@ -5898,8 +5819,38 @@
                     <a:lstStyle/>
                     <a:p>
                       <a:r>
-                        <a:rPr lang="en-US" dirty="0" smtClean="0"/>
+                        <a:rPr lang="en-US" dirty="0"/>
                         <a:t>247</a:t>
+                      </a:r>
+                    </a:p>
+                  </a:txBody>
+                  <a:tcPr anchor="ctr"/>
+                </a:tc>
+                <a:tc>
+                  <a:txBody>
+                    <a:bodyPr/>
+                    <a:lstStyle/>
+                    <a:p>
+                      <a:r>
+                        <a:rPr lang="en-US" dirty="0"/>
+                        <a:t>Computer Vision datasets</a:t>
+                      </a:r>
+                    </a:p>
+                  </a:txBody>
+                  <a:tcPr anchor="ctr"/>
+                </a:tc>
+                <a:tc>
+                  <a:txBody>
+                    <a:bodyPr/>
+                    <a:lstStyle/>
+                    <a:p>
+                      <a:r>
+                        <a:rPr lang="en-US" dirty="0"/>
+                        <a:t>JPG, PNG,</a:t>
+                      </a:r>
+                      <a:r>
+                        <a:rPr lang="en-US" baseline="0" dirty="0"/>
+                        <a:t> …</a:t>
                       </a:r>
                       <a:endParaRPr lang="en-US" dirty="0"/>
                     </a:p>
@@ -5912,39 +5863,7 @@
                     <a:lstStyle/>
                     <a:p>
                       <a:r>
-                        <a:rPr lang="en-US" dirty="0" smtClean="0"/>
-                        <a:t>Computer Vision datasets</a:t>
-                      </a:r>
-                      <a:endParaRPr lang="en-US" dirty="0"/>
-                    </a:p>
-                  </a:txBody>
-                  <a:tcPr anchor="ctr"/>
-                </a:tc>
-                <a:tc>
-                  <a:txBody>
-                    <a:bodyPr/>
-                    <a:lstStyle/>
-                    <a:p>
-                      <a:r>
-                        <a:rPr lang="en-US" dirty="0" smtClean="0"/>
-                        <a:t>JPG, PNG,</a:t>
-                      </a:r>
-                      <a:r>
-                        <a:rPr lang="en-US" baseline="0" dirty="0" smtClean="0"/>
-                        <a:t> …</a:t>
-                      </a:r>
-                      <a:endParaRPr lang="en-US" dirty="0"/>
-                    </a:p>
-                  </a:txBody>
-                  <a:tcPr anchor="ctr"/>
-                </a:tc>
-                <a:tc>
-                  <a:txBody>
-                    <a:bodyPr/>
-                    <a:lstStyle/>
-                    <a:p>
-                      <a:r>
-                        <a:rPr lang="en-US" dirty="0" smtClean="0">
+                        <a:rPr lang="en-US" dirty="0">
                           <a:hlinkClick r:id="rId5"/>
                         </a:rPr>
                         <a:t>https://www.visualdata.io/</a:t>
@@ -5967,8 +5886,38 @@
                     <a:lstStyle/>
                     <a:p>
                       <a:r>
-                        <a:rPr lang="en-US" dirty="0" smtClean="0"/>
+                        <a:rPr lang="en-US" dirty="0"/>
                         <a:t>ML Vis</a:t>
+                      </a:r>
+                    </a:p>
+                  </a:txBody>
+                  <a:tcPr anchor="ctr"/>
+                </a:tc>
+                <a:tc>
+                  <a:txBody>
+                    <a:bodyPr/>
+                    <a:lstStyle/>
+                    <a:p>
+                      <a:r>
+                        <a:rPr lang="en-US" dirty="0"/>
+                        <a:t>48</a:t>
+                      </a:r>
+                    </a:p>
+                  </a:txBody>
+                  <a:tcPr anchor="ctr"/>
+                </a:tc>
+                <a:tc>
+                  <a:txBody>
+                    <a:bodyPr/>
+                    <a:lstStyle/>
+                    <a:p>
+                      <a:r>
+                        <a:rPr lang="en-US" dirty="0"/>
+                        <a:t>Repository</a:t>
+                      </a:r>
+                      <a:r>
+                        <a:rPr lang="en-US" baseline="0" dirty="0"/>
+                        <a:t> of scientific datasets for visualization </a:t>
                       </a:r>
                       <a:endParaRPr lang="en-US" dirty="0"/>
                     </a:p>
@@ -5981,10 +5930,9 @@
                     <a:lstStyle/>
                     <a:p>
                       <a:r>
-                        <a:rPr lang="en-US" dirty="0" smtClean="0"/>
-                        <a:t>48</a:t>
-                      </a:r>
-                      <a:endParaRPr lang="en-US" dirty="0"/>
+                        <a:rPr lang="en-US" dirty="0"/>
+                        <a:t>CSV</a:t>
+                      </a:r>
                     </a:p>
                   </a:txBody>
                   <a:tcPr anchor="ctr"/>
@@ -5995,48 +5943,15 @@
                     <a:lstStyle/>
                     <a:p>
                       <a:r>
-                        <a:rPr lang="en-US" dirty="0" smtClean="0"/>
-                        <a:t>Repository</a:t>
-                      </a:r>
-                      <a:r>
-                        <a:rPr lang="en-US" baseline="0" dirty="0" smtClean="0"/>
-                        <a:t> of scientific datasets for visualization </a:t>
-                      </a:r>
-                      <a:endParaRPr lang="en-US" dirty="0"/>
-                    </a:p>
-                  </a:txBody>
-                  <a:tcPr anchor="ctr"/>
-                </a:tc>
-                <a:tc>
-                  <a:txBody>
-                    <a:bodyPr/>
-                    <a:lstStyle/>
-                    <a:p>
-                      <a:r>
-                        <a:rPr lang="en-US" dirty="0" smtClean="0"/>
-                        <a:t>CSV</a:t>
-                      </a:r>
-                      <a:endParaRPr lang="en-US" dirty="0"/>
-                    </a:p>
-                  </a:txBody>
-                  <a:tcPr anchor="ctr"/>
-                </a:tc>
-                <a:tc>
-                  <a:txBody>
-                    <a:bodyPr/>
-                    <a:lstStyle/>
-                    <a:p>
-                      <a:r>
-                        <a:rPr lang="en-US" dirty="0" smtClean="0">
+                        <a:rPr lang="en-US" dirty="0">
                           <a:hlinkClick r:id="rId6"/>
                         </a:rPr>
                         <a:t>http://www.mlvis.com/</a:t>
                       </a:r>
                       <a:r>
-                        <a:rPr lang="en-US" dirty="0" smtClean="0"/>
+                        <a:rPr lang="en-US" dirty="0"/>
                         <a:t> </a:t>
                       </a:r>
-                      <a:endParaRPr lang="en-US" dirty="0"/>
                     </a:p>
                   </a:txBody>
                   <a:tcPr anchor="ctr"/>
@@ -6105,10 +6020,9 @@
                     <a:lstStyle/>
                     <a:p>
                       <a:r>
-                        <a:rPr lang="en-US" b="0" dirty="0" smtClean="0"/>
+                        <a:rPr lang="en-US" b="0" dirty="0"/>
                         <a:t>Google Dataset Search</a:t>
                       </a:r>
-                      <a:endParaRPr lang="en-US" b="0" dirty="0"/>
                     </a:p>
                   </a:txBody>
                   <a:tcPr anchor="ctr"/>
@@ -6136,18 +6050,18 @@
                         <a:defRPr/>
                       </a:pPr>
                       <a:r>
-                        <a:rPr lang="en-US" b="1" dirty="0" smtClean="0"/>
+                        <a:rPr lang="en-US" b="1" dirty="0"/>
                         <a:t>Search engine</a:t>
                       </a:r>
                       <a:r>
-                        <a:rPr lang="en-US" b="1" baseline="0" dirty="0" smtClean="0"/>
+                        <a:rPr lang="en-US" b="1" baseline="0" dirty="0"/>
                         <a:t> </a:t>
                       </a:r>
                       <a:r>
-                        <a:rPr lang="en-US" baseline="0" dirty="0" smtClean="0"/>
+                        <a:rPr lang="en-US" baseline="0" dirty="0"/>
                         <a:t>for publicly available datasets</a:t>
                       </a:r>
-                      <a:endParaRPr lang="en-US" dirty="0" smtClean="0"/>
+                      <a:endParaRPr lang="en-US" dirty="0"/>
                     </a:p>
                   </a:txBody>
                   <a:tcPr anchor="ctr"/>
@@ -6158,7 +6072,7 @@
                     <a:lstStyle/>
                     <a:p>
                       <a:r>
-                        <a:rPr lang="en-US" dirty="0" smtClean="0">
+                        <a:rPr lang="en-US" dirty="0">
                           <a:hlinkClick r:id="rId7"/>
                         </a:rPr>
                         <a:t>https://toolbox.google.com/datasetsearch</a:t>
@@ -6181,8 +6095,29 @@
                     <a:lstStyle/>
                     <a:p>
                       <a:r>
-                        <a:rPr lang="en-US" dirty="0" smtClean="0"/>
+                        <a:rPr lang="en-US" dirty="0"/>
                         <a:t>Enigma</a:t>
+                      </a:r>
+                    </a:p>
+                  </a:txBody>
+                  <a:tcPr anchor="ctr"/>
+                </a:tc>
+                <a:tc>
+                  <a:txBody>
+                    <a:bodyPr/>
+                    <a:lstStyle/>
+                    <a:p>
+                      <a:r>
+                        <a:rPr lang="en-US" b="1" dirty="0"/>
+                        <a:t>Search engine</a:t>
+                      </a:r>
+                      <a:r>
+                        <a:rPr lang="en-US" b="1" baseline="0" dirty="0"/>
+                        <a:t> </a:t>
+                      </a:r>
+                      <a:r>
+                        <a:rPr lang="en-US" baseline="0" dirty="0"/>
+                        <a:t>for publicly available datasets</a:t>
                       </a:r>
                       <a:endParaRPr lang="en-US" dirty="0"/>
                     </a:p>
@@ -6195,29 +6130,7 @@
                     <a:lstStyle/>
                     <a:p>
                       <a:r>
-                        <a:rPr lang="en-US" b="1" dirty="0" smtClean="0"/>
-                        <a:t>Search engine</a:t>
-                      </a:r>
-                      <a:r>
-                        <a:rPr lang="en-US" b="1" baseline="0" dirty="0" smtClean="0"/>
-                        <a:t> </a:t>
-                      </a:r>
-                      <a:r>
-                        <a:rPr lang="en-US" baseline="0" dirty="0" smtClean="0"/>
-                        <a:t>for publicly available datasets</a:t>
-                      </a:r>
-                      <a:endParaRPr lang="en-US" dirty="0"/>
-                    </a:p>
-                  </a:txBody>
-                  <a:tcPr anchor="ctr"/>
-                </a:tc>
-                <a:tc>
-                  <a:txBody>
-                    <a:bodyPr/>
-                    <a:lstStyle/>
-                    <a:p>
-                      <a:r>
-                        <a:rPr lang="en-US" dirty="0" smtClean="0">
+                        <a:rPr lang="en-US" dirty="0">
                           <a:hlinkClick r:id="rId8"/>
                         </a:rPr>
                         <a:t>https://public.enigma.com/</a:t>
@@ -6283,10 +6196,9 @@
           <a:lstStyle/>
           <a:p>
             <a:r>
-              <a:rPr lang="en-US" dirty="0" smtClean="0"/>
+              <a:rPr lang="en-US" dirty="0"/>
               <a:t>US Data.gov</a:t>
             </a:r>
-            <a:endParaRPr lang="en-US" dirty="0"/>
           </a:p>
         </p:txBody>
       </p:sp>
@@ -6729,18 +6641,13 @@
           <a:lstStyle/>
           <a:p>
             <a:r>
-              <a:rPr lang="en-US" b="1" dirty="0" smtClean="0">
+              <a:rPr lang="en-US" b="1" dirty="0">
                 <a:solidFill>
                   <a:srgbClr val="FF0000"/>
                 </a:solidFill>
               </a:rPr>
               <a:t>Dataset Search</a:t>
             </a:r>
-            <a:endParaRPr lang="en-US" b="1" dirty="0">
-              <a:solidFill>
-                <a:srgbClr val="FF0000"/>
-              </a:solidFill>
-            </a:endParaRPr>
           </a:p>
         </p:txBody>
       </p:sp>
@@ -6767,18 +6674,13 @@
           <a:lstStyle/>
           <a:p>
             <a:r>
-              <a:rPr lang="en-US" b="1" dirty="0" smtClean="0">
+              <a:rPr lang="en-US" b="1" dirty="0">
                 <a:solidFill>
                   <a:srgbClr val="FF0000"/>
                 </a:solidFill>
               </a:rPr>
               <a:t>Browse by Category</a:t>
             </a:r>
-            <a:endParaRPr lang="en-US" b="1" dirty="0">
-              <a:solidFill>
-                <a:srgbClr val="FF0000"/>
-              </a:solidFill>
-            </a:endParaRPr>
           </a:p>
         </p:txBody>
       </p:sp>
@@ -6805,18 +6707,13 @@
           <a:lstStyle/>
           <a:p>
             <a:r>
-              <a:rPr lang="en-US" b="1" dirty="0" smtClean="0">
+              <a:rPr lang="en-US" b="1" dirty="0">
                 <a:solidFill>
                   <a:srgbClr val="FF0000"/>
                 </a:solidFill>
               </a:rPr>
               <a:t>Introduction</a:t>
             </a:r>
-            <a:endParaRPr lang="en-US" b="1" dirty="0">
-              <a:solidFill>
-                <a:srgbClr val="FF0000"/>
-              </a:solidFill>
-            </a:endParaRPr>
           </a:p>
         </p:txBody>
       </p:sp>
@@ -6843,18 +6740,13 @@
           <a:lstStyle/>
           <a:p>
             <a:r>
-              <a:rPr lang="en-US" b="1" dirty="0" smtClean="0">
+              <a:rPr lang="en-US" b="1" dirty="0">
                 <a:solidFill>
                   <a:srgbClr val="FF0000"/>
                 </a:solidFill>
               </a:rPr>
               <a:t>Data Download</a:t>
             </a:r>
-            <a:endParaRPr lang="en-US" b="1" dirty="0">
-              <a:solidFill>
-                <a:srgbClr val="FF0000"/>
-              </a:solidFill>
-            </a:endParaRPr>
           </a:p>
         </p:txBody>
       </p:sp>
@@ -6981,34 +6873,13 @@
           <a:lstStyle/>
           <a:p>
             <a:r>
-              <a:rPr lang="en-US" b="1" dirty="0" smtClean="0">
-                <a:solidFill>
-                  <a:srgbClr val="FF0000"/>
-                </a:solidFill>
-              </a:rPr>
-              <a:t>Metadata and </a:t>
-            </a:r>
-            <a:r>
               <a:rPr lang="en-US" b="1" dirty="0">
                 <a:solidFill>
                   <a:srgbClr val="FF0000"/>
                 </a:solidFill>
               </a:rPr>
-              <a:t>A</a:t>
-            </a:r>
-            <a:r>
-              <a:rPr lang="en-US" b="1" dirty="0" smtClean="0">
-                <a:solidFill>
-                  <a:srgbClr val="FF0000"/>
-                </a:solidFill>
-              </a:rPr>
-              <a:t>dditional Info</a:t>
-            </a:r>
-            <a:endParaRPr lang="en-US" b="1" dirty="0">
-              <a:solidFill>
-                <a:srgbClr val="FF0000"/>
-              </a:solidFill>
-            </a:endParaRPr>
+              <a:t>Metadata and Additional Info</a:t>
+            </a:r>
           </a:p>
         </p:txBody>
       </p:sp>
@@ -7058,7 +6929,7 @@
           <a:lstStyle/>
           <a:p>
             <a:r>
-              <a:rPr lang="en-US" dirty="0" err="1" smtClean="0"/>
+              <a:rPr lang="en-US" dirty="0" err="1"/>
               <a:t>Kaggle</a:t>
             </a:r>
             <a:endParaRPr lang="en-US" dirty="0"/>
@@ -7284,18 +7155,13 @@
           <a:lstStyle/>
           <a:p>
             <a:r>
-              <a:rPr lang="en-US" b="1" dirty="0" smtClean="0">
+              <a:rPr lang="en-US" b="1" dirty="0">
                 <a:solidFill>
                   <a:srgbClr val="FF0000"/>
                 </a:solidFill>
               </a:rPr>
               <a:t>Dataset Search</a:t>
             </a:r>
-            <a:endParaRPr lang="en-US" b="1" dirty="0">
-              <a:solidFill>
-                <a:srgbClr val="FF0000"/>
-              </a:solidFill>
-            </a:endParaRPr>
           </a:p>
         </p:txBody>
       </p:sp>
@@ -7360,18 +7226,13 @@
           <a:lstStyle/>
           <a:p>
             <a:r>
-              <a:rPr lang="en-US" b="1" dirty="0" smtClean="0">
+              <a:rPr lang="en-US" b="1" dirty="0">
                 <a:solidFill>
                   <a:srgbClr val="FF0000"/>
                 </a:solidFill>
               </a:rPr>
               <a:t>Browse with Filters</a:t>
             </a:r>
-            <a:endParaRPr lang="en-US" b="1" dirty="0">
-              <a:solidFill>
-                <a:srgbClr val="FF0000"/>
-              </a:solidFill>
-            </a:endParaRPr>
           </a:p>
         </p:txBody>
       </p:sp>
@@ -7436,18 +7297,13 @@
           <a:lstStyle/>
           <a:p>
             <a:r>
-              <a:rPr lang="en-US" b="1" dirty="0" smtClean="0">
+              <a:rPr lang="en-US" b="1" dirty="0">
                 <a:solidFill>
                   <a:srgbClr val="FF0000"/>
                 </a:solidFill>
               </a:rPr>
               <a:t>Metadata and Description</a:t>
             </a:r>
-            <a:endParaRPr lang="en-US" b="1" dirty="0">
-              <a:solidFill>
-                <a:srgbClr val="FF0000"/>
-              </a:solidFill>
-            </a:endParaRPr>
           </a:p>
         </p:txBody>
       </p:sp>
@@ -7474,18 +7330,13 @@
           <a:lstStyle/>
           <a:p>
             <a:r>
-              <a:rPr lang="en-US" b="1" dirty="0" smtClean="0">
+              <a:rPr lang="en-US" b="1" dirty="0">
                 <a:solidFill>
                   <a:srgbClr val="FF0000"/>
                 </a:solidFill>
               </a:rPr>
               <a:t>Data Demo and Explore Panel</a:t>
             </a:r>
-            <a:endParaRPr lang="en-US" b="1" dirty="0">
-              <a:solidFill>
-                <a:srgbClr val="FF0000"/>
-              </a:solidFill>
-            </a:endParaRPr>
           </a:p>
         </p:txBody>
       </p:sp>
@@ -7558,18 +7409,13 @@
           <a:lstStyle/>
           <a:p>
             <a:r>
-              <a:rPr lang="en-US" sz="1600" dirty="0" smtClean="0">
+              <a:rPr lang="en-US" sz="1600" dirty="0">
                 <a:solidFill>
                   <a:srgbClr val="FF0000"/>
                 </a:solidFill>
               </a:rPr>
               <a:t>Other users’ projects using this dataset</a:t>
             </a:r>
-            <a:endParaRPr lang="en-US" sz="1600" dirty="0">
-              <a:solidFill>
-                <a:srgbClr val="FF0000"/>
-              </a:solidFill>
-            </a:endParaRPr>
           </a:p>
         </p:txBody>
       </p:sp>
@@ -7703,10 +7549,9 @@
           <a:lstStyle/>
           <a:p>
             <a:r>
-              <a:rPr lang="en-US" dirty="0" smtClean="0"/>
+              <a:rPr lang="en-US" dirty="0"/>
               <a:t>UCI Repository</a:t>
             </a:r>
-            <a:endParaRPr lang="en-US" dirty="0"/>
           </a:p>
         </p:txBody>
       </p:sp>
@@ -7929,18 +7774,13 @@
           <a:lstStyle/>
           <a:p>
             <a:r>
-              <a:rPr lang="en-US" b="1" dirty="0" smtClean="0">
+              <a:rPr lang="en-US" b="1" dirty="0">
                 <a:solidFill>
                   <a:srgbClr val="FF0000"/>
                 </a:solidFill>
               </a:rPr>
               <a:t>Search and Browse</a:t>
             </a:r>
-            <a:endParaRPr lang="en-US" b="1" dirty="0">
-              <a:solidFill>
-                <a:srgbClr val="FF0000"/>
-              </a:solidFill>
-            </a:endParaRPr>
           </a:p>
         </p:txBody>
       </p:sp>
@@ -8141,18 +7981,13 @@
           <a:lstStyle/>
           <a:p>
             <a:r>
-              <a:rPr lang="en-US" b="1" dirty="0" smtClean="0">
+              <a:rPr lang="en-US" b="1" dirty="0">
                 <a:solidFill>
                   <a:srgbClr val="FF0000"/>
                 </a:solidFill>
               </a:rPr>
               <a:t>Metadata and Description</a:t>
             </a:r>
-            <a:endParaRPr lang="en-US" b="1" dirty="0">
-              <a:solidFill>
-                <a:srgbClr val="FF0000"/>
-              </a:solidFill>
-            </a:endParaRPr>
           </a:p>
         </p:txBody>
       </p:sp>
@@ -8202,11 +8037,11 @@
           <a:lstStyle/>
           <a:p>
             <a:r>
-              <a:rPr lang="en-US" dirty="0" smtClean="0"/>
+              <a:rPr lang="en-US" dirty="0"/>
               <a:t>Amazon </a:t>
             </a:r>
             <a:r>
-              <a:rPr lang="en-US" dirty="0" err="1" smtClean="0"/>
+              <a:rPr lang="en-US" dirty="0" err="1"/>
               <a:t>OpenData</a:t>
             </a:r>
             <a:endParaRPr lang="en-US" dirty="0"/>
@@ -8302,18 +8137,13 @@
           <a:lstStyle/>
           <a:p>
             <a:r>
-              <a:rPr lang="en-US" b="1" dirty="0" smtClean="0">
+              <a:rPr lang="en-US" b="1" dirty="0">
                 <a:solidFill>
                   <a:srgbClr val="FF0000"/>
                 </a:solidFill>
               </a:rPr>
               <a:t>Dataset Search</a:t>
             </a:r>
-            <a:endParaRPr lang="en-US" b="1" dirty="0">
-              <a:solidFill>
-                <a:srgbClr val="FF0000"/>
-              </a:solidFill>
-            </a:endParaRPr>
           </a:p>
         </p:txBody>
       </p:sp>
@@ -8340,18 +8170,13 @@
           <a:lstStyle/>
           <a:p>
             <a:r>
-              <a:rPr lang="en-US" b="1" dirty="0" smtClean="0">
+              <a:rPr lang="en-US" b="1" dirty="0">
                 <a:solidFill>
                   <a:srgbClr val="FF0000"/>
                 </a:solidFill>
               </a:rPr>
               <a:t>Browsing</a:t>
             </a:r>
-            <a:endParaRPr lang="en-US" b="1" dirty="0">
-              <a:solidFill>
-                <a:srgbClr val="FF0000"/>
-              </a:solidFill>
-            </a:endParaRPr>
           </a:p>
         </p:txBody>
       </p:sp>
@@ -8486,18 +8311,13 @@
           <a:lstStyle/>
           <a:p>
             <a:r>
-              <a:rPr lang="en-US" b="1" dirty="0" smtClean="0">
+              <a:rPr lang="en-US" b="1" dirty="0">
                 <a:solidFill>
                   <a:srgbClr val="FF0000"/>
                 </a:solidFill>
               </a:rPr>
               <a:t>User Project Examples with This Dataset</a:t>
             </a:r>
-            <a:endParaRPr lang="en-US" b="1" dirty="0">
-              <a:solidFill>
-                <a:srgbClr val="FF0000"/>
-              </a:solidFill>
-            </a:endParaRPr>
           </a:p>
         </p:txBody>
       </p:sp>
@@ -8593,10 +8413,9 @@
           <a:lstStyle/>
           <a:p>
             <a:r>
-              <a:rPr lang="en-US" b="1" dirty="0" smtClean="0"/>
+              <a:rPr lang="en-US" b="1" dirty="0"/>
               <a:t>Tableau Background</a:t>
             </a:r>
-            <a:endParaRPr lang="en-US" b="1" dirty="0"/>
           </a:p>
         </p:txBody>
       </p:sp>
@@ -8616,28 +8435,28 @@
           <a:lstStyle/>
           <a:p>
             <a:r>
-              <a:rPr lang="en-US" dirty="0" smtClean="0"/>
+              <a:rPr lang="en-US" dirty="0"/>
               <a:t>Tableau is a powerful data visualization software. </a:t>
             </a:r>
           </a:p>
           <a:p>
             <a:pPr lvl="1"/>
-            <a:endParaRPr lang="en-US" dirty="0" smtClean="0"/>
-          </a:p>
-          <a:p>
-            <a:r>
-              <a:rPr lang="en-US" dirty="0" smtClean="0"/>
+            <a:endParaRPr lang="en-US" dirty="0"/>
+          </a:p>
+          <a:p>
+            <a:r>
+              <a:rPr lang="en-US" dirty="0"/>
               <a:t>Capable of creating various interactive visualizations from a multitude of data sources. </a:t>
             </a:r>
           </a:p>
           <a:p>
             <a:pPr lvl="1"/>
-            <a:endParaRPr lang="en-US" dirty="0" smtClean="0"/>
-          </a:p>
-          <a:p>
-            <a:r>
-              <a:rPr lang="en-US" dirty="0" smtClean="0"/>
-              <a:t>Tableau is a commercial software, but is available to students for free.</a:t>
+            <a:endParaRPr lang="en-US" dirty="0"/>
+          </a:p>
+          <a:p>
+            <a:r>
+              <a:rPr lang="en-US" dirty="0"/>
+              <a:t>Tableau is a commercial software but is available to students for free.</a:t>
             </a:r>
           </a:p>
           <a:p>
@@ -8650,29 +8469,22 @@
               <a:rPr lang="en-US" dirty="0">
                 <a:hlinkClick r:id="rId3"/>
               </a:rPr>
-              <a:t>http://</a:t>
-            </a:r>
-            <a:r>
-              <a:rPr lang="en-US" dirty="0" smtClean="0">
-                <a:hlinkClick r:id="rId3"/>
-              </a:rPr>
-              <a:t>www.tableau.com/academic/students</a:t>
-            </a:r>
-            <a:r>
-              <a:rPr lang="en-US" dirty="0" smtClean="0"/>
+              <a:t>http://www.tableau.com/academic/students</a:t>
+            </a:r>
+            <a:r>
+              <a:rPr lang="en-US" dirty="0"/>
               <a:t>) </a:t>
             </a:r>
           </a:p>
           <a:p>
             <a:pPr lvl="1"/>
-            <a:endParaRPr lang="en-US" dirty="0" smtClean="0"/>
-          </a:p>
-          <a:p>
-            <a:r>
-              <a:rPr lang="en-US" dirty="0" smtClean="0"/>
+            <a:endParaRPr lang="en-US" dirty="0"/>
+          </a:p>
+          <a:p>
+            <a:r>
+              <a:rPr lang="en-US" dirty="0"/>
               <a:t>Tableau is primarily a drag-and-drop software. </a:t>
             </a:r>
-            <a:endParaRPr lang="en-US" dirty="0"/>
           </a:p>
         </p:txBody>
       </p:sp>
@@ -8701,7 +8513,13 @@
       </p:sp>
       <p:pic>
         <p:nvPicPr>
-          <p:cNvPr id="5" name="Picture 4"/>
+          <p:cNvPr id="7" name="Picture 6">
+            <a:extLst>
+              <a:ext uri="{FF2B5EF4-FFF2-40B4-BE49-F238E27FC236}">
+                <a16:creationId xmlns:a16="http://schemas.microsoft.com/office/drawing/2014/main" id="{CF15EF00-FAC4-E395-AEC2-8CB7EE470B22}"/>
+              </a:ext>
+            </a:extLst>
+          </p:cNvPr>
           <p:cNvPicPr>
             <a:picLocks noChangeAspect="1"/>
           </p:cNvPicPr>
@@ -8715,8 +8533,8 @@
         </p:blipFill>
         <p:spPr>
           <a:xfrm>
-            <a:off x="7901798" y="4966059"/>
-            <a:ext cx="4022892" cy="1210904"/>
+            <a:off x="7934815" y="4986337"/>
+            <a:ext cx="3942258" cy="1325563"/>
           </a:xfrm>
           <a:prstGeom prst="rect">
             <a:avLst/>
@@ -8769,10 +8587,9 @@
           <a:lstStyle/>
           <a:p>
             <a:r>
-              <a:rPr lang="en-US" b="1" dirty="0" smtClean="0"/>
+              <a:rPr lang="en-US" b="1" dirty="0"/>
               <a:t>Data Sources and Types of Visualizations </a:t>
             </a:r>
-            <a:endParaRPr lang="en-US" b="1" dirty="0"/>
           </a:p>
         </p:txBody>
       </p:sp>
@@ -8794,46 +8611,46 @@
           <a:lstStyle/>
           <a:p>
             <a:r>
-              <a:rPr lang="en-US" dirty="0" smtClean="0"/>
+              <a:rPr lang="en-US" dirty="0"/>
               <a:t>Tableau can connect to variety of data sources, including:</a:t>
             </a:r>
           </a:p>
           <a:p>
             <a:pPr lvl="1"/>
             <a:r>
-              <a:rPr lang="en-US" dirty="0" smtClean="0"/>
+              <a:rPr lang="en-US" dirty="0"/>
               <a:t>Local files – Excel, text, Access</a:t>
             </a:r>
           </a:p>
           <a:p>
             <a:pPr lvl="1"/>
             <a:r>
-              <a:rPr lang="en-US" dirty="0" smtClean="0"/>
+              <a:rPr lang="en-US" dirty="0"/>
               <a:t>Traditional databases – SQL Server, MySQL, Oracle, PostgreSQL, DB2</a:t>
             </a:r>
           </a:p>
           <a:p>
             <a:pPr lvl="1"/>
             <a:r>
-              <a:rPr lang="en-US" dirty="0" smtClean="0"/>
+              <a:rPr lang="en-US" dirty="0"/>
               <a:t>Cloud technologies – Amazon Aurora, EMR, Redshift, </a:t>
             </a:r>
             <a:r>
-              <a:rPr lang="en-US" dirty="0" err="1" smtClean="0"/>
+              <a:rPr lang="en-US" dirty="0" err="1"/>
               <a:t>BigQuery</a:t>
             </a:r>
-            <a:endParaRPr lang="en-US" dirty="0" smtClean="0"/>
+            <a:endParaRPr lang="en-US" dirty="0"/>
           </a:p>
           <a:p>
             <a:pPr lvl="1"/>
             <a:r>
-              <a:rPr lang="en-US" dirty="0" smtClean="0"/>
+              <a:rPr lang="en-US" dirty="0"/>
               <a:t>Big Data Technologies – Hadoop, Hive, Spark SQL</a:t>
             </a:r>
           </a:p>
           <a:p>
             <a:pPr lvl="2"/>
-            <a:endParaRPr lang="en-US" dirty="0" smtClean="0"/>
+            <a:endParaRPr lang="en-US" dirty="0"/>
           </a:p>
           <a:p>
             <a:r>
@@ -8903,7 +8720,7 @@
             </a:r>
           </a:p>
           <a:p>
-            <a:endParaRPr lang="en-US" dirty="0" smtClean="0"/>
+            <a:endParaRPr lang="en-US" dirty="0"/>
           </a:p>
           <a:p>
             <a:pPr lvl="1"/>
@@ -9004,10 +8821,9 @@
           <a:lstStyle/>
           <a:p>
             <a:r>
-              <a:rPr lang="en-US" dirty="0" smtClean="0"/>
+              <a:rPr lang="en-US" dirty="0"/>
               <a:t>Tableau Interface</a:t>
             </a:r>
-            <a:endParaRPr lang="en-US" dirty="0"/>
           </a:p>
         </p:txBody>
       </p:sp>
@@ -9039,14 +8855,14 @@
           <a:lstStyle/>
           <a:p>
             <a:r>
-              <a:rPr lang="en-US" dirty="0" smtClean="0"/>
+              <a:rPr lang="en-US" dirty="0"/>
               <a:t>Dimensions</a:t>
             </a:r>
           </a:p>
           <a:p>
             <a:pPr lvl="1"/>
             <a:r>
-              <a:rPr lang="en-US" dirty="0" smtClean="0"/>
+              <a:rPr lang="en-US" dirty="0"/>
               <a:t>Data fields that cannot be aggregated</a:t>
             </a:r>
           </a:p>
@@ -9054,51 +8870,31 @@
             <a:pPr lvl="1"/>
             <a:r>
               <a:rPr lang="en-US" dirty="0"/>
-              <a:t>Q</a:t>
-            </a:r>
-            <a:r>
-              <a:rPr lang="en-US" dirty="0" smtClean="0"/>
-              <a:t>ualitative </a:t>
-            </a:r>
+              <a:t>Qualitative values (such as names, dates, or geographical data)</a:t>
+            </a:r>
+          </a:p>
+          <a:p>
+            <a:pPr lvl="1"/>
+            <a:endParaRPr lang="en-US" dirty="0"/>
+          </a:p>
+          <a:p>
             <a:r>
               <a:rPr lang="en-US" dirty="0"/>
-              <a:t>values (such as names, dates, or geographical data</a:t>
-            </a:r>
-            <a:r>
-              <a:rPr lang="en-US" dirty="0" smtClean="0"/>
-              <a:t>)</a:t>
+              <a:t>Measures</a:t>
             </a:r>
           </a:p>
           <a:p>
             <a:pPr lvl="1"/>
-            <a:endParaRPr lang="en-US" dirty="0" smtClean="0"/>
-          </a:p>
-          <a:p>
-            <a:r>
-              <a:rPr lang="en-US" dirty="0" smtClean="0"/>
-              <a:t>Measures</a:t>
+            <a:r>
+              <a:rPr lang="en-US" dirty="0"/>
+              <a:t>Data fields that can be measured, aggregated, or used for math operations</a:t>
             </a:r>
           </a:p>
           <a:p>
             <a:pPr lvl="1"/>
             <a:r>
-              <a:rPr lang="en-US" dirty="0" smtClean="0"/>
-              <a:t>Data fields that can be measured, aggregated, or used for math operations</a:t>
-            </a:r>
-          </a:p>
-          <a:p>
-            <a:pPr lvl="1"/>
-            <a:r>
               <a:rPr lang="en-US" dirty="0"/>
-              <a:t>N</a:t>
-            </a:r>
-            <a:r>
-              <a:rPr lang="en-US" dirty="0" smtClean="0"/>
-              <a:t>umeric</a:t>
-            </a:r>
-            <a:r>
-              <a:rPr lang="en-US" dirty="0"/>
-              <a:t>, quantitative values</a:t>
+              <a:t>Numeric, quantitative values</a:t>
             </a:r>
           </a:p>
         </p:txBody>
@@ -9149,10 +8945,9 @@
           <a:lstStyle/>
           <a:p>
             <a:r>
-              <a:rPr lang="en-US" sz="2000" b="1" dirty="0" smtClean="0"/>
+              <a:rPr lang="en-US" sz="2000" b="1" dirty="0"/>
               <a:t>Worksheet</a:t>
             </a:r>
-            <a:endParaRPr lang="en-US" sz="2000" b="1" dirty="0"/>
           </a:p>
         </p:txBody>
       </p:sp>
@@ -9225,10 +9020,9 @@
           <a:lstStyle/>
           <a:p>
             <a:r>
-              <a:rPr lang="en-US" sz="2000" b="1" dirty="0" smtClean="0"/>
+              <a:rPr lang="en-US" sz="2000" b="1" dirty="0"/>
               <a:t>Tabs</a:t>
             </a:r>
-            <a:endParaRPr lang="en-US" sz="2000" b="1" dirty="0"/>
           </a:p>
         </p:txBody>
       </p:sp>
@@ -9301,10 +9095,9 @@
           <a:lstStyle/>
           <a:p>
             <a:r>
-              <a:rPr lang="en-US" sz="2000" b="1" dirty="0" smtClean="0"/>
+              <a:rPr lang="en-US" sz="2000" b="1" dirty="0"/>
               <a:t>Plot types</a:t>
             </a:r>
-            <a:endParaRPr lang="en-US" sz="2000" b="1" dirty="0"/>
           </a:p>
         </p:txBody>
       </p:sp>
@@ -9377,10 +9170,9 @@
           <a:lstStyle/>
           <a:p>
             <a:r>
-              <a:rPr lang="en-US" sz="2000" b="1" dirty="0" smtClean="0"/>
+              <a:rPr lang="en-US" sz="2000" b="1" dirty="0"/>
               <a:t>Data</a:t>
             </a:r>
-            <a:endParaRPr lang="en-US" sz="2000" b="1" dirty="0"/>
           </a:p>
         </p:txBody>
       </p:sp>
@@ -9600,7 +9392,7 @@
         </p:spPr>
         <p:txBody>
           <a:bodyPr vert="horz" lIns="91440" tIns="45720" rIns="91440" bIns="45720" rtlCol="0">
-            <a:normAutofit fontScale="77500" lnSpcReduction="20000"/>
+            <a:normAutofit fontScale="70000" lnSpcReduction="20000"/>
           </a:bodyPr>
           <a:lstStyle>
             <a:lvl1pPr marL="228600" indent="-228600" algn="l" defTabSz="914400" rtl="0" eaLnBrk="1" latinLnBrk="0" hangingPunct="1">
@@ -9768,16 +9560,15 @@
           </a:lstStyle>
           <a:p>
             <a:r>
-              <a:rPr lang="en-US" dirty="0" smtClean="0"/>
+              <a:rPr lang="en-US" dirty="0"/>
               <a:t>Blue: discrete data</a:t>
             </a:r>
           </a:p>
           <a:p>
             <a:r>
-              <a:rPr lang="en-US" dirty="0" smtClean="0"/>
+              <a:rPr lang="en-US" dirty="0"/>
               <a:t>Green: continuous data</a:t>
             </a:r>
-            <a:endParaRPr lang="en-US" dirty="0"/>
           </a:p>
         </p:txBody>
       </p:sp>
@@ -9888,10 +9679,9 @@
           <a:lstStyle/>
           <a:p>
             <a:r>
-              <a:rPr lang="en-US" sz="2000" b="1" dirty="0" smtClean="0"/>
+              <a:rPr lang="en-US" sz="2000" b="1" dirty="0"/>
               <a:t>Format/Encode</a:t>
             </a:r>
-            <a:endParaRPr lang="en-US" sz="2000" b="1" dirty="0"/>
           </a:p>
         </p:txBody>
       </p:sp>
@@ -10030,10 +9820,9 @@
           <a:lstStyle/>
           <a:p>
             <a:r>
-              <a:rPr lang="en-US" sz="2000" b="1" dirty="0" smtClean="0"/>
+              <a:rPr lang="en-US" sz="2000" b="1" dirty="0"/>
               <a:t>Drag-n-drop</a:t>
             </a:r>
-            <a:endParaRPr lang="en-US" sz="2000" b="1" dirty="0"/>
           </a:p>
         </p:txBody>
       </p:sp>
@@ -10112,10 +9901,9 @@
           <a:lstStyle/>
           <a:p>
             <a:r>
-              <a:rPr lang="en-US" b="1" dirty="0" smtClean="0"/>
+              <a:rPr lang="en-US" b="1" dirty="0"/>
               <a:t>Walkthrough Example</a:t>
             </a:r>
-            <a:endParaRPr lang="en-US" b="1" dirty="0"/>
           </a:p>
         </p:txBody>
       </p:sp>
@@ -10131,18 +9919,20 @@
         </p:nvSpPr>
         <p:spPr/>
         <p:txBody>
-          <a:bodyPr/>
-          <a:lstStyle/>
-          <a:p>
-            <a:r>
-              <a:rPr lang="en-US" dirty="0" smtClean="0"/>
+          <a:bodyPr>
+            <a:normAutofit fontScale="92500" lnSpcReduction="10000"/>
+          </a:bodyPr>
+          <a:lstStyle/>
+          <a:p>
+            <a:r>
+              <a:rPr lang="en-US" dirty="0"/>
               <a:t>The following example will teach you how to load data into Tableau, make three basic visualizations, and put them into a dashboard. </a:t>
             </a:r>
           </a:p>
           <a:p>
             <a:pPr lvl="1"/>
             <a:r>
-              <a:rPr lang="en-US" dirty="0" smtClean="0"/>
+              <a:rPr lang="en-US" dirty="0"/>
               <a:t>Bar chart, Word Cloud, and Geospatial visualization. </a:t>
             </a:r>
           </a:p>
@@ -10152,37 +9942,57 @@
           </a:p>
           <a:p>
             <a:r>
-              <a:rPr lang="en-US" dirty="0" smtClean="0"/>
+              <a:rPr lang="en-US" dirty="0"/>
               <a:t>The data used in this example is an Excel spreadsheet about NFL Offensive players from 1999-2013. It contains:</a:t>
             </a:r>
           </a:p>
           <a:p>
             <a:pPr lvl="1"/>
             <a:r>
-              <a:rPr lang="en-US" dirty="0" smtClean="0"/>
+              <a:rPr lang="en-US" dirty="0"/>
               <a:t>~40,000 rows of data</a:t>
             </a:r>
           </a:p>
           <a:p>
             <a:pPr lvl="1"/>
             <a:r>
-              <a:rPr lang="en-US" dirty="0" smtClean="0"/>
+              <a:rPr lang="en-US" dirty="0"/>
               <a:t>Player information (physically measurable traits, birthplace, college attended)</a:t>
             </a:r>
           </a:p>
           <a:p>
             <a:pPr lvl="1"/>
             <a:r>
-              <a:rPr lang="en-US" dirty="0" smtClean="0"/>
+              <a:rPr lang="en-US" dirty="0"/>
               <a:t>Positions played</a:t>
             </a:r>
           </a:p>
           <a:p>
             <a:pPr lvl="1"/>
             <a:r>
-              <a:rPr lang="en-US" dirty="0" smtClean="0"/>
+              <a:rPr lang="en-US" dirty="0"/>
               <a:t>Wins achieved in career</a:t>
             </a:r>
+          </a:p>
+          <a:p>
+            <a:pPr lvl="1"/>
+            <a:endParaRPr lang="en-US" dirty="0"/>
+          </a:p>
+          <a:p>
+            <a:r>
+              <a:rPr lang="en-US" dirty="0"/>
+              <a:t>Dataset source: </a:t>
+            </a:r>
+            <a:r>
+              <a:rPr lang="en-US" dirty="0">
+                <a:hlinkClick r:id="rId2"/>
+              </a:rPr>
+              <a:t>https://public.tableau.com/app/resources/sample-data</a:t>
+            </a:r>
+            <a:endParaRPr lang="en-US" dirty="0"/>
+          </a:p>
+          <a:p>
+            <a:endParaRPr lang="en-US" dirty="0"/>
           </a:p>
         </p:txBody>
       </p:sp>
@@ -10260,10 +10070,9 @@
           <a:lstStyle/>
           <a:p>
             <a:r>
-              <a:rPr lang="en-US" dirty="0" smtClean="0"/>
+              <a:rPr lang="en-US" dirty="0"/>
               <a:t>Connecting to a Data Source</a:t>
             </a:r>
-            <a:endParaRPr lang="en-US" dirty="0"/>
           </a:p>
         </p:txBody>
       </p:sp>
@@ -10290,7 +10099,7 @@
           <a:lstStyle/>
           <a:p>
             <a:r>
-              <a:rPr lang="en-US" dirty="0" smtClean="0"/>
+              <a:rPr lang="en-US" dirty="0"/>
               <a:t>We will have to connect to a data source to start making visualizations.</a:t>
             </a:r>
           </a:p>
@@ -10300,7 +10109,7 @@
               <a:buAutoNum type="arabicPeriod"/>
             </a:pPr>
             <a:r>
-              <a:rPr lang="en-US" dirty="0" smtClean="0"/>
+              <a:rPr lang="en-US" dirty="0"/>
               <a:t>Since our data is in an Excel workbook, we will select that. </a:t>
             </a:r>
           </a:p>
@@ -10310,7 +10119,7 @@
               <a:buAutoNum type="arabicPeriod"/>
             </a:pPr>
             <a:r>
-              <a:rPr lang="en-US" dirty="0" smtClean="0"/>
+              <a:rPr lang="en-US" dirty="0"/>
               <a:t>Second, we will join two of the sheets in the workbook such that we can get access to a larger set of data. Drag the “Unique players” and “Zip codes” sheets to the right. Select the “Inner” join option. </a:t>
             </a:r>
           </a:p>
@@ -10320,7 +10129,7 @@
               <a:buAutoNum type="arabicPeriod"/>
             </a:pPr>
             <a:r>
-              <a:rPr lang="en-US" dirty="0" smtClean="0"/>
+              <a:rPr lang="en-US" dirty="0"/>
               <a:t>We will join the sheets based on zip code. </a:t>
             </a:r>
           </a:p>
@@ -10720,18 +10529,13 @@
           <a:lstStyle/>
           <a:p>
             <a:r>
-              <a:rPr lang="en-US" b="1" dirty="0" smtClean="0">
+              <a:rPr lang="en-US" b="1" dirty="0">
                 <a:solidFill>
                   <a:srgbClr val="FF0000"/>
                 </a:solidFill>
               </a:rPr>
               <a:t>1</a:t>
             </a:r>
-            <a:endParaRPr lang="en-US" b="1" dirty="0">
-              <a:solidFill>
-                <a:srgbClr val="FF0000"/>
-              </a:solidFill>
-            </a:endParaRPr>
           </a:p>
         </p:txBody>
       </p:sp>
@@ -10758,18 +10562,13 @@
           <a:lstStyle/>
           <a:p>
             <a:r>
-              <a:rPr lang="en-US" b="1" dirty="0" smtClean="0">
+              <a:rPr lang="en-US" b="1" dirty="0">
                 <a:solidFill>
                   <a:srgbClr val="FF0000"/>
                 </a:solidFill>
               </a:rPr>
               <a:t>2</a:t>
             </a:r>
-            <a:endParaRPr lang="en-US" b="1" dirty="0">
-              <a:solidFill>
-                <a:srgbClr val="FF0000"/>
-              </a:solidFill>
-            </a:endParaRPr>
           </a:p>
         </p:txBody>
       </p:sp>
@@ -10796,18 +10595,13 @@
           <a:lstStyle/>
           <a:p>
             <a:r>
-              <a:rPr lang="en-US" b="1" dirty="0" smtClean="0">
+              <a:rPr lang="en-US" b="1" dirty="0">
                 <a:solidFill>
                   <a:srgbClr val="FF0000"/>
                 </a:solidFill>
               </a:rPr>
               <a:t>2</a:t>
             </a:r>
-            <a:endParaRPr lang="en-US" b="1" dirty="0">
-              <a:solidFill>
-                <a:srgbClr val="FF0000"/>
-              </a:solidFill>
-            </a:endParaRPr>
           </a:p>
         </p:txBody>
       </p:sp>
@@ -10834,18 +10628,13 @@
           <a:lstStyle/>
           <a:p>
             <a:r>
-              <a:rPr lang="en-US" b="1" dirty="0" smtClean="0">
+              <a:rPr lang="en-US" b="1" dirty="0">
                 <a:solidFill>
                   <a:srgbClr val="FF0000"/>
                 </a:solidFill>
               </a:rPr>
               <a:t>3</a:t>
             </a:r>
-            <a:endParaRPr lang="en-US" b="1" dirty="0">
-              <a:solidFill>
-                <a:srgbClr val="FF0000"/>
-              </a:solidFill>
-            </a:endParaRPr>
           </a:p>
         </p:txBody>
       </p:sp>
@@ -10977,10 +10766,9 @@
           <a:lstStyle/>
           <a:p>
             <a:r>
-              <a:rPr lang="en-US" dirty="0" smtClean="0"/>
+              <a:rPr lang="en-US" dirty="0"/>
               <a:t>Creating a Bar Chart</a:t>
             </a:r>
-            <a:endParaRPr lang="en-US" dirty="0"/>
           </a:p>
         </p:txBody>
       </p:sp>
@@ -11007,15 +10795,15 @@
           <a:lstStyle/>
           <a:p>
             <a:r>
-              <a:rPr lang="en-US" dirty="0" smtClean="0"/>
+              <a:rPr lang="en-US" dirty="0"/>
               <a:t>Suppose we want to know which major college conferences </a:t>
             </a:r>
             <a:r>
-              <a:rPr lang="en-US" b="1" dirty="0" smtClean="0"/>
+              <a:rPr lang="en-US" b="1" dirty="0"/>
               <a:t>have most combined wins since 1999</a:t>
             </a:r>
             <a:r>
-              <a:rPr lang="en-US" dirty="0" smtClean="0"/>
+              <a:rPr lang="en-US" dirty="0"/>
               <a:t>. </a:t>
             </a:r>
           </a:p>
@@ -11025,7 +10813,7 @@
               <a:buAutoNum type="arabicPeriod"/>
             </a:pPr>
             <a:r>
-              <a:rPr lang="en-US" dirty="0" smtClean="0"/>
+              <a:rPr lang="en-US" dirty="0"/>
               <a:t>First, drag the “Conference” dimension into the “Rows” bar, and the “College Wins” into the columns. Hit the drop down on the “College Wins” and select “Sum.”</a:t>
             </a:r>
           </a:p>
@@ -11035,8 +10823,8 @@
               <a:buAutoNum type="arabicPeriod"/>
             </a:pPr>
             <a:r>
-              <a:rPr lang="en-US" dirty="0" smtClean="0"/>
-              <a:t>Second, select bar chart on the right hand side. </a:t>
+              <a:rPr lang="en-US" dirty="0"/>
+              <a:t>Second, select bar chart on the right-hand side. </a:t>
             </a:r>
           </a:p>
           <a:p>
@@ -11045,10 +10833,9 @@
               <a:buAutoNum type="arabicPeriod"/>
             </a:pPr>
             <a:r>
-              <a:rPr lang="en-US" dirty="0" smtClean="0"/>
+              <a:rPr lang="en-US" dirty="0"/>
               <a:t>To add a little bit of color, drag the “Conference” into the “Color” mark. </a:t>
             </a:r>
-            <a:endParaRPr lang="en-US" dirty="0"/>
           </a:p>
         </p:txBody>
       </p:sp>
@@ -11260,18 +11047,13 @@
           <a:lstStyle/>
           <a:p>
             <a:r>
-              <a:rPr lang="en-US" b="1" dirty="0" smtClean="0">
+              <a:rPr lang="en-US" b="1" dirty="0">
                 <a:solidFill>
                   <a:srgbClr val="FF0000"/>
                 </a:solidFill>
               </a:rPr>
               <a:t>1</a:t>
             </a:r>
-            <a:endParaRPr lang="en-US" b="1" dirty="0">
-              <a:solidFill>
-                <a:srgbClr val="FF0000"/>
-              </a:solidFill>
-            </a:endParaRPr>
           </a:p>
         </p:txBody>
       </p:sp>
@@ -11298,18 +11080,13 @@
           <a:lstStyle/>
           <a:p>
             <a:r>
-              <a:rPr lang="en-US" b="1" dirty="0" smtClean="0">
+              <a:rPr lang="en-US" b="1" dirty="0">
                 <a:solidFill>
                   <a:srgbClr val="FF0000"/>
                 </a:solidFill>
               </a:rPr>
               <a:t>3</a:t>
             </a:r>
-            <a:endParaRPr lang="en-US" b="1" dirty="0">
-              <a:solidFill>
-                <a:srgbClr val="FF0000"/>
-              </a:solidFill>
-            </a:endParaRPr>
           </a:p>
         </p:txBody>
       </p:sp>
@@ -11336,18 +11113,13 @@
           <a:lstStyle/>
           <a:p>
             <a:r>
-              <a:rPr lang="en-US" b="1" dirty="0" smtClean="0">
+              <a:rPr lang="en-US" b="1" dirty="0">
                 <a:solidFill>
                   <a:srgbClr val="FF0000"/>
                 </a:solidFill>
               </a:rPr>
               <a:t>2</a:t>
             </a:r>
-            <a:endParaRPr lang="en-US" b="1" dirty="0">
-              <a:solidFill>
-                <a:srgbClr val="FF0000"/>
-              </a:solidFill>
-            </a:endParaRPr>
           </a:p>
         </p:txBody>
       </p:sp>
@@ -11402,10 +11174,9 @@
           <a:lstStyle/>
           <a:p>
             <a:r>
-              <a:rPr lang="en-US" dirty="0" smtClean="0"/>
+              <a:rPr lang="en-US" dirty="0"/>
               <a:t>Creating a Word Cloud</a:t>
             </a:r>
-            <a:endParaRPr lang="en-US" dirty="0"/>
           </a:p>
         </p:txBody>
       </p:sp>
@@ -11432,7 +11203,7 @@
           <a:lstStyle/>
           <a:p>
             <a:r>
-              <a:rPr lang="en-US" sz="2400" dirty="0" smtClean="0"/>
+              <a:rPr lang="en-US" sz="2400" dirty="0"/>
               <a:t>Suppose now we want to get a general sense of the most popular conferences in terms of player enrollment is concerned. A word cloud is a great way to visually represent this. </a:t>
             </a:r>
           </a:p>
@@ -11442,7 +11213,7 @@
               <a:buAutoNum type="arabicPeriod"/>
             </a:pPr>
             <a:r>
-              <a:rPr lang="en-US" sz="2400" dirty="0" smtClean="0"/>
+              <a:rPr lang="en-US" sz="2400" dirty="0"/>
               <a:t>First, switch the “Marks” option to “Text”. </a:t>
             </a:r>
           </a:p>
@@ -11452,7 +11223,7 @@
               <a:buAutoNum type="arabicPeriod"/>
             </a:pPr>
             <a:r>
-              <a:rPr lang="en-US" sz="2400" dirty="0" smtClean="0"/>
+              <a:rPr lang="en-US" sz="2400" dirty="0"/>
               <a:t>Second, drag the “Conference” dimension into the “Text” marks box. </a:t>
             </a:r>
           </a:p>
@@ -11462,7 +11233,7 @@
               <a:buAutoNum type="arabicPeriod"/>
             </a:pPr>
             <a:r>
-              <a:rPr lang="en-US" sz="2000" dirty="0" smtClean="0"/>
+              <a:rPr lang="en-US" sz="2000" dirty="0"/>
               <a:t>Then drag the “Conference” dimension into the “Size” marks box.</a:t>
             </a:r>
           </a:p>
@@ -11472,7 +11243,7 @@
               <a:buAutoNum type="arabicPeriod"/>
             </a:pPr>
             <a:r>
-              <a:rPr lang="en-US" sz="2000" dirty="0" smtClean="0"/>
+              <a:rPr lang="en-US" sz="2000" dirty="0"/>
               <a:t>Adjust the measurement on this by hitting the drop down and selecting “Measure (Count)”</a:t>
             </a:r>
           </a:p>
@@ -11644,18 +11415,13 @@
           <a:lstStyle/>
           <a:p>
             <a:r>
-              <a:rPr lang="en-US" b="1" dirty="0" smtClean="0">
+              <a:rPr lang="en-US" b="1" dirty="0">
                 <a:solidFill>
                   <a:srgbClr val="FF0000"/>
                 </a:solidFill>
               </a:rPr>
               <a:t>2</a:t>
             </a:r>
-            <a:endParaRPr lang="en-US" b="1" dirty="0">
-              <a:solidFill>
-                <a:srgbClr val="FF0000"/>
-              </a:solidFill>
-            </a:endParaRPr>
           </a:p>
         </p:txBody>
       </p:sp>
@@ -11682,18 +11448,13 @@
           <a:lstStyle/>
           <a:p>
             <a:r>
-              <a:rPr lang="en-US" b="1" dirty="0" smtClean="0">
+              <a:rPr lang="en-US" b="1" dirty="0">
                 <a:solidFill>
                   <a:srgbClr val="FF0000"/>
                 </a:solidFill>
               </a:rPr>
               <a:t>1</a:t>
             </a:r>
-            <a:endParaRPr lang="en-US" b="1" dirty="0">
-              <a:solidFill>
-                <a:srgbClr val="FF0000"/>
-              </a:solidFill>
-            </a:endParaRPr>
           </a:p>
         </p:txBody>
       </p:sp>
@@ -11743,10 +11504,9 @@
           <a:lstStyle/>
           <a:p>
             <a:r>
-              <a:rPr lang="en-US" dirty="0" smtClean="0"/>
+              <a:rPr lang="en-US" dirty="0"/>
               <a:t>Creating a Geospatial Visualization</a:t>
             </a:r>
-            <a:endParaRPr lang="en-US" dirty="0"/>
           </a:p>
         </p:txBody>
       </p:sp>
@@ -11773,13 +11533,13 @@
           <a:lstStyle/>
           <a:p>
             <a:r>
-              <a:rPr lang="en-US" sz="2400" dirty="0" smtClean="0"/>
+              <a:rPr lang="en-US" sz="2400" dirty="0"/>
               <a:t>Consider now that we are interested in the birthplaces of all of the NFL players. </a:t>
             </a:r>
           </a:p>
           <a:p>
             <a:r>
-              <a:rPr lang="en-US" sz="2400" dirty="0" smtClean="0"/>
+              <a:rPr lang="en-US" sz="2400" dirty="0"/>
               <a:t>We can easily create a map representation. </a:t>
             </a:r>
           </a:p>
@@ -11789,7 +11549,7 @@
               <a:buAutoNum type="arabicPeriod"/>
             </a:pPr>
             <a:r>
-              <a:rPr lang="en-US" sz="2400" dirty="0" smtClean="0"/>
+              <a:rPr lang="en-US" sz="2400" dirty="0"/>
               <a:t>Drag the “Longitude” dimension to columns, and “Latitude” dimension to the rows. Select the map visualization. </a:t>
             </a:r>
           </a:p>
@@ -11799,10 +11559,9 @@
               <a:buAutoNum type="arabicPeriod"/>
             </a:pPr>
             <a:r>
-              <a:rPr lang="en-US" sz="2400" dirty="0" smtClean="0"/>
+              <a:rPr lang="en-US" sz="2400" dirty="0"/>
               <a:t>Add in some color by dragging the “Birth Zip Code” into the “Color” Marks.</a:t>
             </a:r>
-            <a:endParaRPr lang="en-US" sz="2400" dirty="0"/>
           </a:p>
         </p:txBody>
       </p:sp>
@@ -11876,18 +11635,13 @@
           <a:lstStyle/>
           <a:p>
             <a:r>
-              <a:rPr lang="en-US" b="1" dirty="0" smtClean="0">
+              <a:rPr lang="en-US" b="1" dirty="0">
                 <a:solidFill>
                   <a:srgbClr val="FF0000"/>
                 </a:solidFill>
               </a:rPr>
               <a:t>1</a:t>
             </a:r>
-            <a:endParaRPr lang="en-US" b="1" dirty="0">
-              <a:solidFill>
-                <a:srgbClr val="FF0000"/>
-              </a:solidFill>
-            </a:endParaRPr>
           </a:p>
         </p:txBody>
       </p:sp>

--- a/resources/tableau_overview_and_example_ss_hz_updated.pptx
+++ b/resources/tableau_overview_and_example_ss_hz_updated.pptx
@@ -217,7 +217,7 @@
           <a:p>
             <a:fld id="{023AB371-9479-4211-AEA2-B8B235DBD730}" type="datetimeFigureOut">
               <a:rPr lang="en-US" smtClean="0"/>
-              <a:t>1/30/2023</a:t>
+              <a:t>2/2/2023</a:t>
             </a:fld>
             <a:endParaRPr lang="en-US"/>
           </a:p>
@@ -382,7 +382,7 @@
           <a:p>
             <a:fld id="{3BE0F1DC-89DC-4407-B031-C64D21A63C8E}" type="datetimeFigureOut">
               <a:rPr lang="en-US" smtClean="0"/>
-              <a:t>1/30/2023</a:t>
+              <a:t>2/2/2023</a:t>
             </a:fld>
             <a:endParaRPr lang="en-US"/>
           </a:p>
@@ -862,7 +862,7 @@
           <a:p>
             <a:fld id="{EAC6DD1A-DB46-4DE9-B199-B2FE535F0796}" type="datetime1">
               <a:rPr lang="en-US" smtClean="0"/>
-              <a:t>1/30/2023</a:t>
+              <a:t>2/2/2023</a:t>
             </a:fld>
             <a:endParaRPr lang="en-US"/>
           </a:p>
@@ -1030,7 +1030,7 @@
           <a:p>
             <a:fld id="{790617B3-9292-4403-AC8C-CE70F1933C12}" type="datetime1">
               <a:rPr lang="en-US" smtClean="0"/>
-              <a:t>1/30/2023</a:t>
+              <a:t>2/2/2023</a:t>
             </a:fld>
             <a:endParaRPr lang="en-US"/>
           </a:p>
@@ -1208,7 +1208,7 @@
           <a:p>
             <a:fld id="{96C89685-F276-430A-8654-04914813DB04}" type="datetime1">
               <a:rPr lang="en-US" smtClean="0"/>
-              <a:t>1/30/2023</a:t>
+              <a:t>2/2/2023</a:t>
             </a:fld>
             <a:endParaRPr lang="en-US"/>
           </a:p>
@@ -1380,7 +1380,7 @@
           <a:p>
             <a:fld id="{7428BE0C-F798-44C1-BF61-615514117515}" type="datetime1">
               <a:rPr lang="en-US" smtClean="0"/>
-              <a:t>1/30/2023</a:t>
+              <a:t>2/2/2023</a:t>
             </a:fld>
             <a:endParaRPr lang="en-US"/>
           </a:p>
@@ -1625,7 +1625,7 @@
           <a:p>
             <a:fld id="{638D9F68-CEAC-4C1F-A1F1-3BCAF2B06B58}" type="datetime1">
               <a:rPr lang="en-US" smtClean="0"/>
-              <a:t>1/30/2023</a:t>
+              <a:t>2/2/2023</a:t>
             </a:fld>
             <a:endParaRPr lang="en-US"/>
           </a:p>
@@ -1854,7 +1854,7 @@
           <a:p>
             <a:fld id="{A346C6D6-79EA-4D53-8AE7-5F6F5F736EB9}" type="datetime1">
               <a:rPr lang="en-US" smtClean="0"/>
-              <a:t>1/30/2023</a:t>
+              <a:t>2/2/2023</a:t>
             </a:fld>
             <a:endParaRPr lang="en-US"/>
           </a:p>
@@ -2218,7 +2218,7 @@
           <a:p>
             <a:fld id="{6E092D23-7948-4023-A9B1-EC40528BF935}" type="datetime1">
               <a:rPr lang="en-US" smtClean="0"/>
-              <a:t>1/30/2023</a:t>
+              <a:t>2/2/2023</a:t>
             </a:fld>
             <a:endParaRPr lang="en-US"/>
           </a:p>
@@ -2335,7 +2335,7 @@
           <a:p>
             <a:fld id="{CB7F9289-E90C-40AA-9479-E06605E009D1}" type="datetime1">
               <a:rPr lang="en-US" smtClean="0"/>
-              <a:t>1/30/2023</a:t>
+              <a:t>2/2/2023</a:t>
             </a:fld>
             <a:endParaRPr lang="en-US"/>
           </a:p>
@@ -2430,7 +2430,7 @@
           <a:p>
             <a:fld id="{77B87E22-A063-4A64-AA63-4C57F03AF091}" type="datetime1">
               <a:rPr lang="en-US" smtClean="0"/>
-              <a:t>1/30/2023</a:t>
+              <a:t>2/2/2023</a:t>
             </a:fld>
             <a:endParaRPr lang="en-US"/>
           </a:p>
@@ -2705,7 +2705,7 @@
           <a:p>
             <a:fld id="{AC696D8C-2084-406E-8355-4B70646298D8}" type="datetime1">
               <a:rPr lang="en-US" smtClean="0"/>
-              <a:t>1/30/2023</a:t>
+              <a:t>2/2/2023</a:t>
             </a:fld>
             <a:endParaRPr lang="en-US"/>
           </a:p>
@@ -2957,7 +2957,7 @@
           <a:p>
             <a:fld id="{FD6E1C9B-9226-4DE6-8A54-EC9D97CE7113}" type="datetime1">
               <a:rPr lang="en-US" smtClean="0"/>
-              <a:t>1/30/2023</a:t>
+              <a:t>2/2/2023</a:t>
             </a:fld>
             <a:endParaRPr lang="en-US"/>
           </a:p>
@@ -3168,7 +3168,7 @@
           <a:p>
             <a:fld id="{A124E9DD-72DA-4B57-B242-DDD62FE3B182}" type="datetime1">
               <a:rPr lang="en-US" smtClean="0"/>
-              <a:t>1/30/2023</a:t>
+              <a:t>2/2/2023</a:t>
             </a:fld>
             <a:endParaRPr lang="en-US"/>
           </a:p>
@@ -10049,6 +10049,66 @@
           <a:chExt cx="0" cy="0"/>
         </a:xfrm>
       </p:grpSpPr>
+      <p:pic>
+        <p:nvPicPr>
+          <p:cNvPr id="20" name="Picture 19">
+            <a:extLst>
+              <a:ext uri="{FF2B5EF4-FFF2-40B4-BE49-F238E27FC236}">
+                <a16:creationId xmlns:a16="http://schemas.microsoft.com/office/drawing/2014/main" id="{93046477-2E35-44F2-F7BC-18554247821F}"/>
+              </a:ext>
+            </a:extLst>
+          </p:cNvPr>
+          <p:cNvPicPr>
+            <a:picLocks noChangeAspect="1"/>
+          </p:cNvPicPr>
+          <p:nvPr/>
+        </p:nvPicPr>
+        <p:blipFill>
+          <a:blip r:embed="rId2"/>
+          <a:stretch>
+            <a:fillRect/>
+          </a:stretch>
+        </p:blipFill>
+        <p:spPr>
+          <a:xfrm>
+            <a:off x="6271187" y="1354179"/>
+            <a:ext cx="5258256" cy="1028789"/>
+          </a:xfrm>
+          <a:prstGeom prst="rect">
+            <a:avLst/>
+          </a:prstGeom>
+        </p:spPr>
+      </p:pic>
+      <p:pic>
+        <p:nvPicPr>
+          <p:cNvPr id="23" name="Picture 22">
+            <a:extLst>
+              <a:ext uri="{FF2B5EF4-FFF2-40B4-BE49-F238E27FC236}">
+                <a16:creationId xmlns:a16="http://schemas.microsoft.com/office/drawing/2014/main" id="{352334DD-92BD-6DBA-DB44-765AF304312C}"/>
+              </a:ext>
+            </a:extLst>
+          </p:cNvPr>
+          <p:cNvPicPr>
+            <a:picLocks noChangeAspect="1"/>
+          </p:cNvPicPr>
+          <p:nvPr/>
+        </p:nvPicPr>
+        <p:blipFill>
+          <a:blip r:embed="rId3"/>
+          <a:stretch>
+            <a:fillRect/>
+          </a:stretch>
+        </p:blipFill>
+        <p:spPr>
+          <a:xfrm>
+            <a:off x="7135144" y="2134623"/>
+            <a:ext cx="3977985" cy="1486029"/>
+          </a:xfrm>
+          <a:prstGeom prst="rect">
+            <a:avLst/>
+          </a:prstGeom>
+        </p:spPr>
+      </p:pic>
       <p:sp>
         <p:nvSpPr>
           <p:cNvPr id="2" name="Title 1"/>
@@ -10167,7 +10227,7 @@
           <p:nvPr/>
         </p:nvPicPr>
         <p:blipFill>
-          <a:blip r:embed="rId2"/>
+          <a:blip r:embed="rId4"/>
           <a:stretch>
             <a:fillRect/>
           </a:stretch>
@@ -10237,7 +10297,7 @@
           <p:nvPr/>
         </p:nvPicPr>
         <p:blipFill>
-          <a:blip r:embed="rId3"/>
+          <a:blip r:embed="rId5"/>
           <a:stretch>
             <a:fillRect/>
           </a:stretch>
@@ -10246,30 +10306,6 @@
           <a:xfrm>
             <a:off x="3200400" y="1006391"/>
             <a:ext cx="2628900" cy="3009900"/>
-          </a:xfrm>
-          <a:prstGeom prst="rect">
-            <a:avLst/>
-          </a:prstGeom>
-        </p:spPr>
-      </p:pic>
-      <p:pic>
-        <p:nvPicPr>
-          <p:cNvPr id="8" name="Picture 7"/>
-          <p:cNvPicPr>
-            <a:picLocks noChangeAspect="1"/>
-          </p:cNvPicPr>
-          <p:nvPr/>
-        </p:nvPicPr>
-        <p:blipFill>
-          <a:blip r:embed="rId4"/>
-          <a:stretch>
-            <a:fillRect/>
-          </a:stretch>
-        </p:blipFill>
-        <p:spPr>
-          <a:xfrm>
-            <a:off x="6662737" y="1227138"/>
-            <a:ext cx="5057775" cy="2190750"/>
           </a:xfrm>
           <a:prstGeom prst="rect">
             <a:avLst/>
@@ -10376,8 +10412,8 @@
         </p:nvSpPr>
         <p:spPr>
           <a:xfrm>
-            <a:off x="7342026" y="2610301"/>
-            <a:ext cx="792324" cy="199574"/>
+            <a:off x="7282747" y="2893347"/>
+            <a:ext cx="1078302" cy="219246"/>
           </a:xfrm>
           <a:prstGeom prst="rect">
             <a:avLst/>
@@ -10422,7 +10458,7 @@
         </p:nvSpPr>
         <p:spPr>
           <a:xfrm>
-            <a:off x="9361326" y="2610301"/>
+            <a:off x="9476198" y="2907095"/>
             <a:ext cx="792324" cy="199574"/>
           </a:xfrm>
           <a:prstGeom prst="rect">
@@ -10468,8 +10504,8 @@
         </p:nvSpPr>
         <p:spPr>
           <a:xfrm>
-            <a:off x="7332501" y="1800676"/>
-            <a:ext cx="925674" cy="630238"/>
+            <a:off x="6340577" y="1580788"/>
+            <a:ext cx="5186422" cy="543984"/>
           </a:xfrm>
           <a:prstGeom prst="rect">
             <a:avLst/>
@@ -10580,7 +10616,7 @@
         </p:nvSpPr>
         <p:spPr>
           <a:xfrm>
-            <a:off x="7024357" y="1944949"/>
+            <a:off x="6687271" y="2095084"/>
             <a:ext cx="322917" cy="369332"/>
           </a:xfrm>
           <a:prstGeom prst="rect">
@@ -10613,7 +10649,7 @@
         </p:nvSpPr>
         <p:spPr>
           <a:xfrm>
-            <a:off x="8738857" y="2935549"/>
+            <a:off x="8772329" y="3382087"/>
             <a:ext cx="322917" cy="369332"/>
           </a:xfrm>
           <a:prstGeom prst="rect">
@@ -10642,14 +10678,16 @@
         <p:nvCxnSpPr>
           <p:cNvPr id="19" name="Straight Arrow Connector 18"/>
           <p:cNvCxnSpPr>
+            <a:cxnSpLocks/>
             <a:stCxn id="17" idx="0"/>
+            <a:endCxn id="11" idx="2"/>
           </p:cNvCxnSpPr>
           <p:nvPr/>
         </p:nvCxnSpPr>
         <p:spPr>
           <a:xfrm flipH="1" flipV="1">
-            <a:off x="7759700" y="2809875"/>
-            <a:ext cx="1140616" cy="125674"/>
+            <a:off x="7821898" y="3112593"/>
+            <a:ext cx="1111890" cy="269494"/>
           </a:xfrm>
           <a:prstGeom prst="straightConnector1">
             <a:avLst/>
@@ -10687,8 +10725,8 @@
         </p:nvCxnSpPr>
         <p:spPr>
           <a:xfrm flipV="1">
-            <a:off x="8900316" y="2809875"/>
-            <a:ext cx="857172" cy="125674"/>
+            <a:off x="8933788" y="3106669"/>
+            <a:ext cx="938572" cy="275418"/>
           </a:xfrm>
           <a:prstGeom prst="straightConnector1">
             <a:avLst/>
